--- a/assets/lectures/cbw-cshl/2019/mini/RNASeq_MiniLecture_08_03_alignmentQC.pptx
+++ b/assets/lectures/cbw-cshl/2019/mini/RNASeq_MiniLecture_08_03_alignmentQC.pptx
@@ -516,14 +516,14 @@
           </a:ln>
           <a:extLst>
             <a:ext uri="{909E8E84-426E-40dd-AFC4-6F175D3DCCD1}">
-              <a14:hiddenFill xmlns:a14="http://schemas.microsoft.com/office/drawing/2010/main" xmlns="">
+              <a14:hiddenFill xmlns="" xmlns:a14="http://schemas.microsoft.com/office/drawing/2010/main">
                 <a:solidFill>
                   <a:srgbClr val="FFFFFF"/>
                 </a:solidFill>
               </a14:hiddenFill>
             </a:ext>
             <a:ext uri="{FAA26D3D-D897-4be2-8F04-BA451C77F1D7}">
-              <ma14:placeholderFlag xmlns:ma14="http://schemas.microsoft.com/office/mac/drawingml/2011/main" xmlns="" val="1"/>
+              <ma14:placeholderFlag xmlns="" xmlns:ma14="http://schemas.microsoft.com/office/mac/drawingml/2011/main" val="1"/>
             </a:ext>
           </a:extLst>
         </p:spPr>
@@ -542,14 +542,14 @@
           <a:noFill/>
           <a:extLst>
             <a:ext uri="{909E8E84-426E-40dd-AFC4-6F175D3DCCD1}">
-              <a14:hiddenFill xmlns:a14="http://schemas.microsoft.com/office/drawing/2010/main" xmlns="">
+              <a14:hiddenFill xmlns="" xmlns:a14="http://schemas.microsoft.com/office/drawing/2010/main">
                 <a:solidFill>
                   <a:srgbClr val="FFFFFF"/>
                 </a:solidFill>
               </a14:hiddenFill>
             </a:ext>
             <a:ext uri="{91240B29-F687-4f45-9708-019B960494DF}">
-              <a14:hiddenLine xmlns:a14="http://schemas.microsoft.com/office/drawing/2010/main" xmlns="" w="9525">
+              <a14:hiddenLine xmlns="" xmlns:a14="http://schemas.microsoft.com/office/drawing/2010/main" w="9525">
                 <a:solidFill>
                   <a:srgbClr val="000000"/>
                 </a:solidFill>
@@ -559,7 +559,7 @@
               </a14:hiddenLine>
             </a:ext>
             <a:ext uri="{FAA26D3D-D897-4be2-8F04-BA451C77F1D7}">
-              <ma14:placeholderFlag xmlns:ma14="http://schemas.microsoft.com/office/mac/drawingml/2011/main" xmlns="" val="1"/>
+              <ma14:placeholderFlag xmlns="" xmlns:ma14="http://schemas.microsoft.com/office/mac/drawingml/2011/main" val="1"/>
             </a:ext>
           </a:extLst>
         </p:spPr>
@@ -593,14 +593,14 @@
           <a:noFill/>
           <a:extLst>
             <a:ext uri="{909E8E84-426E-40dd-AFC4-6F175D3DCCD1}">
-              <a14:hiddenFill xmlns:a14="http://schemas.microsoft.com/office/drawing/2010/main" xmlns="">
+              <a14:hiddenFill xmlns="" xmlns:a14="http://schemas.microsoft.com/office/drawing/2010/main">
                 <a:solidFill>
                   <a:srgbClr val="FFFFFF"/>
                 </a:solidFill>
               </a14:hiddenFill>
             </a:ext>
             <a:ext uri="{91240B29-F687-4f45-9708-019B960494DF}">
-              <a14:hiddenLine xmlns:a14="http://schemas.microsoft.com/office/drawing/2010/main" xmlns="" w="9525">
+              <a14:hiddenLine xmlns="" xmlns:a14="http://schemas.microsoft.com/office/drawing/2010/main" w="9525">
                 <a:solidFill>
                   <a:srgbClr val="000000"/>
                 </a:solidFill>
@@ -1055,14 +1055,14 @@
           </a:ln>
           <a:extLst>
             <a:ext uri="{909E8E84-426E-40dd-AFC4-6F175D3DCCD1}">
-              <a14:hiddenFill xmlns:a14="http://schemas.microsoft.com/office/drawing/2010/main" xmlns="">
+              <a14:hiddenFill xmlns="" xmlns:a14="http://schemas.microsoft.com/office/drawing/2010/main">
                 <a:solidFill>
                   <a:srgbClr val="FFFFFF"/>
                 </a:solidFill>
               </a14:hiddenFill>
             </a:ext>
             <a:ext uri="{91240B29-F687-4f45-9708-019B960494DF}">
-              <a14:hiddenLine xmlns:a14="http://schemas.microsoft.com/office/drawing/2010/main" xmlns="" w="9525">
+              <a14:hiddenLine xmlns="" xmlns:a14="http://schemas.microsoft.com/office/drawing/2010/main" w="9525">
                 <a:solidFill>
                   <a:srgbClr val="000000"/>
                 </a:solidFill>
@@ -3818,14 +3818,14 @@
           </a:ln>
           <a:extLst>
             <a:ext uri="{909E8E84-426E-40dd-AFC4-6F175D3DCCD1}">
-              <a14:hiddenFill xmlns:a14="http://schemas.microsoft.com/office/drawing/2010/main" xmlns="">
+              <a14:hiddenFill xmlns="" xmlns:a14="http://schemas.microsoft.com/office/drawing/2010/main">
                 <a:solidFill>
                   <a:srgbClr val="FFFFFF"/>
                 </a:solidFill>
               </a14:hiddenFill>
             </a:ext>
             <a:ext uri="{91240B29-F687-4f45-9708-019B960494DF}">
-              <a14:hiddenLine xmlns:a14="http://schemas.microsoft.com/office/drawing/2010/main" xmlns="" w="9525">
+              <a14:hiddenLine xmlns="" xmlns:a14="http://schemas.microsoft.com/office/drawing/2010/main" w="9525">
                 <a:solidFill>
                   <a:srgbClr val="000000"/>
                 </a:solidFill>
@@ -4712,14 +4712,14 @@
           </a:ln>
           <a:extLst>
             <a:ext uri="{909E8E84-426E-40dd-AFC4-6F175D3DCCD1}">
-              <a14:hiddenFill xmlns:a14="http://schemas.microsoft.com/office/drawing/2010/main" xmlns="">
+              <a14:hiddenFill xmlns="" xmlns:a14="http://schemas.microsoft.com/office/drawing/2010/main">
                 <a:solidFill>
                   <a:srgbClr val="FFFFFF"/>
                 </a:solidFill>
               </a14:hiddenFill>
             </a:ext>
             <a:ext uri="{91240B29-F687-4f45-9708-019B960494DF}">
-              <a14:hiddenLine xmlns:a14="http://schemas.microsoft.com/office/drawing/2010/main" xmlns="" w="9525">
+              <a14:hiddenLine xmlns="" xmlns:a14="http://schemas.microsoft.com/office/drawing/2010/main" w="9525">
                 <a:solidFill>
                   <a:srgbClr val="000000"/>
                 </a:solidFill>
@@ -4938,7 +4938,7 @@
           <a:effectLst/>
           <a:extLst>
             <a:ext uri="{909E8E84-426E-40dd-AFC4-6F175D3DCCD1}">
-              <a14:hiddenFill xmlns="" xmlns:a14="http://schemas.microsoft.com/office/drawing/2010/main">
+              <a14:hiddenFill xmlns:a14="http://schemas.microsoft.com/office/drawing/2010/main" xmlns="">
                 <a:blipFill dpi="0" rotWithShape="0">
                   <a:blip/>
                   <a:srcRect/>
@@ -4949,7 +4949,7 @@
               </a14:hiddenFill>
             </a:ext>
             <a:ext uri="{91240B29-F687-4f45-9708-019B960494DF}">
-              <a14:hiddenLine xmlns="" xmlns:a14="http://schemas.microsoft.com/office/drawing/2010/main" w="9525" cap="flat">
+              <a14:hiddenLine xmlns:a14="http://schemas.microsoft.com/office/drawing/2010/main" xmlns="" w="9525" cap="flat">
                 <a:solidFill>
                   <a:srgbClr val="3465A4"/>
                 </a:solidFill>
@@ -4959,7 +4959,7 @@
               </a14:hiddenLine>
             </a:ext>
             <a:ext uri="{AF507438-7753-43e0-B8FC-AC1667EBCBE1}">
-              <a14:hiddenEffects xmlns="" xmlns:a14="http://schemas.microsoft.com/office/drawing/2010/main">
+              <a14:hiddenEffects xmlns:a14="http://schemas.microsoft.com/office/drawing/2010/main" xmlns="">
                 <a:effectLst>
                   <a:outerShdw blurRad="63500" dist="38099" dir="2700000" algn="ctr" rotWithShape="0">
                     <a:srgbClr val="000000">
@@ -5057,14 +5057,14 @@
           <a:effectLst/>
           <a:extLst>
             <a:ext uri="{909E8E84-426E-40dd-AFC4-6F175D3DCCD1}">
-              <a14:hiddenFill xmlns="" xmlns:a14="http://schemas.microsoft.com/office/drawing/2010/main">
+              <a14:hiddenFill xmlns:a14="http://schemas.microsoft.com/office/drawing/2010/main" xmlns="">
                 <a:solidFill>
                   <a:srgbClr val="FFFFFF"/>
                 </a:solidFill>
               </a14:hiddenFill>
             </a:ext>
             <a:ext uri="{91240B29-F687-4f45-9708-019B960494DF}">
-              <a14:hiddenLine xmlns="" xmlns:a14="http://schemas.microsoft.com/office/drawing/2010/main" w="9525" cap="flat">
+              <a14:hiddenLine xmlns:a14="http://schemas.microsoft.com/office/drawing/2010/main" xmlns="" w="9525" cap="flat">
                 <a:solidFill>
                   <a:srgbClr val="000000"/>
                 </a:solidFill>
@@ -5074,7 +5074,7 @@
               </a14:hiddenLine>
             </a:ext>
             <a:ext uri="{AF507438-7753-43e0-B8FC-AC1667EBCBE1}">
-              <a14:hiddenEffects xmlns="" xmlns:a14="http://schemas.microsoft.com/office/drawing/2010/main">
+              <a14:hiddenEffects xmlns:a14="http://schemas.microsoft.com/office/drawing/2010/main" xmlns="">
                 <a:effectLst>
                   <a:outerShdw blurRad="63500" dist="38099" dir="2700000" algn="ctr" rotWithShape="0">
                     <a:srgbClr val="000000">
@@ -5488,7 +5488,7 @@
           <a:effectLst/>
           <a:extLst>
             <a:ext uri="{909E8E84-426E-40dd-AFC4-6F175D3DCCD1}">
-              <a14:hiddenFill xmlns="" xmlns:a14="http://schemas.microsoft.com/office/drawing/2010/main">
+              <a14:hiddenFill xmlns:a14="http://schemas.microsoft.com/office/drawing/2010/main" xmlns="">
                 <a:blipFill dpi="0" rotWithShape="0">
                   <a:blip/>
                   <a:srcRect/>
@@ -5499,7 +5499,7 @@
               </a14:hiddenFill>
             </a:ext>
             <a:ext uri="{91240B29-F687-4f45-9708-019B960494DF}">
-              <a14:hiddenLine xmlns="" xmlns:a14="http://schemas.microsoft.com/office/drawing/2010/main" w="9525" cap="flat">
+              <a14:hiddenLine xmlns:a14="http://schemas.microsoft.com/office/drawing/2010/main" xmlns="" w="9525" cap="flat">
                 <a:solidFill>
                   <a:srgbClr val="3465A4"/>
                 </a:solidFill>
@@ -5509,7 +5509,7 @@
               </a14:hiddenLine>
             </a:ext>
             <a:ext uri="{AF507438-7753-43e0-B8FC-AC1667EBCBE1}">
-              <a14:hiddenEffects xmlns="" xmlns:a14="http://schemas.microsoft.com/office/drawing/2010/main">
+              <a14:hiddenEffects xmlns:a14="http://schemas.microsoft.com/office/drawing/2010/main" xmlns="">
                 <a:effectLst>
                   <a:outerShdw blurRad="63500" dist="38099" dir="2700000" algn="ctr" rotWithShape="0">
                     <a:srgbClr val="000000">
@@ -5564,7 +5564,7 @@
           <a:effectLst/>
           <a:extLst>
             <a:ext uri="{909E8E84-426E-40dd-AFC4-6F175D3DCCD1}">
-              <a14:hiddenFill xmlns="" xmlns:a14="http://schemas.microsoft.com/office/drawing/2010/main">
+              <a14:hiddenFill xmlns:a14="http://schemas.microsoft.com/office/drawing/2010/main" xmlns="">
                 <a:blipFill dpi="0" rotWithShape="0">
                   <a:blip/>
                   <a:srcRect/>
@@ -5575,7 +5575,7 @@
               </a14:hiddenFill>
             </a:ext>
             <a:ext uri="{91240B29-F687-4f45-9708-019B960494DF}">
-              <a14:hiddenLine xmlns="" xmlns:a14="http://schemas.microsoft.com/office/drawing/2010/main" w="9525" cap="flat">
+              <a14:hiddenLine xmlns:a14="http://schemas.microsoft.com/office/drawing/2010/main" xmlns="" w="9525" cap="flat">
                 <a:solidFill>
                   <a:srgbClr val="3465A4"/>
                 </a:solidFill>
@@ -5585,7 +5585,7 @@
               </a14:hiddenLine>
             </a:ext>
             <a:ext uri="{AF507438-7753-43e0-B8FC-AC1667EBCBE1}">
-              <a14:hiddenEffects xmlns="" xmlns:a14="http://schemas.microsoft.com/office/drawing/2010/main">
+              <a14:hiddenEffects xmlns:a14="http://schemas.microsoft.com/office/drawing/2010/main" xmlns="">
                 <a:effectLst>
                   <a:outerShdw blurRad="63500" dist="38099" dir="2700000" algn="ctr" rotWithShape="0">
                     <a:srgbClr val="000000">
@@ -5627,14 +5627,14 @@
           <a:effectLst/>
           <a:extLst>
             <a:ext uri="{909E8E84-426E-40dd-AFC4-6F175D3DCCD1}">
-              <a14:hiddenFill xmlns="" xmlns:a14="http://schemas.microsoft.com/office/drawing/2010/main">
+              <a14:hiddenFill xmlns:a14="http://schemas.microsoft.com/office/drawing/2010/main" xmlns="">
                 <a:solidFill>
                   <a:srgbClr val="FFFFFF"/>
                 </a:solidFill>
               </a14:hiddenFill>
             </a:ext>
             <a:ext uri="{91240B29-F687-4f45-9708-019B960494DF}">
-              <a14:hiddenLine xmlns="" xmlns:a14="http://schemas.microsoft.com/office/drawing/2010/main" w="9525" cap="flat">
+              <a14:hiddenLine xmlns:a14="http://schemas.microsoft.com/office/drawing/2010/main" xmlns="" w="9525" cap="flat">
                 <a:solidFill>
                   <a:srgbClr val="000000"/>
                 </a:solidFill>
@@ -5644,7 +5644,7 @@
               </a14:hiddenLine>
             </a:ext>
             <a:ext uri="{AF507438-7753-43e0-B8FC-AC1667EBCBE1}">
-              <a14:hiddenEffects xmlns="" xmlns:a14="http://schemas.microsoft.com/office/drawing/2010/main">
+              <a14:hiddenEffects xmlns:a14="http://schemas.microsoft.com/office/drawing/2010/main" xmlns="">
                 <a:effectLst>
                   <a:outerShdw blurRad="63500" dist="38099" dir="2700000" algn="ctr" rotWithShape="0">
                     <a:srgbClr val="000000">
@@ -5905,14 +5905,14 @@
           <a:effectLst/>
           <a:extLst>
             <a:ext uri="{909E8E84-426E-40dd-AFC4-6F175D3DCCD1}">
-              <a14:hiddenFill xmlns="" xmlns:a14="http://schemas.microsoft.com/office/drawing/2010/main">
+              <a14:hiddenFill xmlns:a14="http://schemas.microsoft.com/office/drawing/2010/main" xmlns="">
                 <a:solidFill>
                   <a:srgbClr val="FFFFFF"/>
                 </a:solidFill>
               </a14:hiddenFill>
             </a:ext>
             <a:ext uri="{91240B29-F687-4f45-9708-019B960494DF}">
-              <a14:hiddenLine xmlns="" xmlns:a14="http://schemas.microsoft.com/office/drawing/2010/main" w="9525" cap="flat">
+              <a14:hiddenLine xmlns:a14="http://schemas.microsoft.com/office/drawing/2010/main" xmlns="" w="9525" cap="flat">
                 <a:solidFill>
                   <a:srgbClr val="000000"/>
                 </a:solidFill>
@@ -5922,7 +5922,7 @@
               </a14:hiddenLine>
             </a:ext>
             <a:ext uri="{AF507438-7753-43e0-B8FC-AC1667EBCBE1}">
-              <a14:hiddenEffects xmlns="" xmlns:a14="http://schemas.microsoft.com/office/drawing/2010/main">
+              <a14:hiddenEffects xmlns:a14="http://schemas.microsoft.com/office/drawing/2010/main" xmlns="">
                 <a:effectLst>
                   <a:outerShdw blurRad="63500" dist="38099" dir="2700000" algn="ctr" rotWithShape="0">
                     <a:srgbClr val="000000">
@@ -6229,7 +6229,7 @@
           <a:effectLst/>
           <a:extLst>
             <a:ext uri="{909E8E84-426E-40dd-AFC4-6F175D3DCCD1}">
-              <a14:hiddenFill xmlns:a14="http://schemas.microsoft.com/office/drawing/2010/main" xmlns="">
+              <a14:hiddenFill xmlns="" xmlns:a14="http://schemas.microsoft.com/office/drawing/2010/main">
                 <a:blipFill dpi="0" rotWithShape="0">
                   <a:blip/>
                   <a:srcRect/>
@@ -6240,7 +6240,7 @@
               </a14:hiddenFill>
             </a:ext>
             <a:ext uri="{91240B29-F687-4f45-9708-019B960494DF}">
-              <a14:hiddenLine xmlns:a14="http://schemas.microsoft.com/office/drawing/2010/main" xmlns="" w="9525" cap="flat">
+              <a14:hiddenLine xmlns="" xmlns:a14="http://schemas.microsoft.com/office/drawing/2010/main" w="9525" cap="flat">
                 <a:solidFill>
                   <a:srgbClr val="3465A4"/>
                 </a:solidFill>
@@ -6250,7 +6250,7 @@
               </a14:hiddenLine>
             </a:ext>
             <a:ext uri="{AF507438-7753-43e0-B8FC-AC1667EBCBE1}">
-              <a14:hiddenEffects xmlns:a14="http://schemas.microsoft.com/office/drawing/2010/main" xmlns="">
+              <a14:hiddenEffects xmlns="" xmlns:a14="http://schemas.microsoft.com/office/drawing/2010/main">
                 <a:effectLst>
                   <a:outerShdw blurRad="63500" dist="38099" dir="2700000" algn="ctr" rotWithShape="0">
                     <a:srgbClr val="000000">
@@ -6299,7 +6299,7 @@
           <a:effectLst/>
           <a:extLst>
             <a:ext uri="{909E8E84-426E-40dd-AFC4-6F175D3DCCD1}">
-              <a14:hiddenFill xmlns:a14="http://schemas.microsoft.com/office/drawing/2010/main" xmlns="">
+              <a14:hiddenFill xmlns="" xmlns:a14="http://schemas.microsoft.com/office/drawing/2010/main">
                 <a:blipFill dpi="0" rotWithShape="0">
                   <a:blip/>
                   <a:srcRect/>
@@ -6310,7 +6310,7 @@
               </a14:hiddenFill>
             </a:ext>
             <a:ext uri="{91240B29-F687-4f45-9708-019B960494DF}">
-              <a14:hiddenLine xmlns:a14="http://schemas.microsoft.com/office/drawing/2010/main" xmlns="" w="9525" cap="flat">
+              <a14:hiddenLine xmlns="" xmlns:a14="http://schemas.microsoft.com/office/drawing/2010/main" w="9525" cap="flat">
                 <a:solidFill>
                   <a:srgbClr val="3465A4"/>
                 </a:solidFill>
@@ -6320,7 +6320,7 @@
               </a14:hiddenLine>
             </a:ext>
             <a:ext uri="{AF507438-7753-43e0-B8FC-AC1667EBCBE1}">
-              <a14:hiddenEffects xmlns:a14="http://schemas.microsoft.com/office/drawing/2010/main" xmlns="">
+              <a14:hiddenEffects xmlns="" xmlns:a14="http://schemas.microsoft.com/office/drawing/2010/main">
                 <a:effectLst>
                   <a:outerShdw blurRad="63500" dist="38099" dir="2700000" algn="ctr" rotWithShape="0">
                     <a:srgbClr val="000000">
@@ -6356,14 +6356,14 @@
           <a:effectLst/>
           <a:extLst>
             <a:ext uri="{909E8E84-426E-40dd-AFC4-6F175D3DCCD1}">
-              <a14:hiddenFill xmlns:a14="http://schemas.microsoft.com/office/drawing/2010/main" xmlns="">
+              <a14:hiddenFill xmlns="" xmlns:a14="http://schemas.microsoft.com/office/drawing/2010/main">
                 <a:solidFill>
                   <a:srgbClr val="FFFFFF"/>
                 </a:solidFill>
               </a14:hiddenFill>
             </a:ext>
             <a:ext uri="{91240B29-F687-4f45-9708-019B960494DF}">
-              <a14:hiddenLine xmlns:a14="http://schemas.microsoft.com/office/drawing/2010/main" xmlns="" w="9525" cap="flat">
+              <a14:hiddenLine xmlns="" xmlns:a14="http://schemas.microsoft.com/office/drawing/2010/main" w="9525" cap="flat">
                 <a:solidFill>
                   <a:srgbClr val="000000"/>
                 </a:solidFill>
@@ -6373,7 +6373,7 @@
               </a14:hiddenLine>
             </a:ext>
             <a:ext uri="{AF507438-7753-43e0-B8FC-AC1667EBCBE1}">
-              <a14:hiddenEffects xmlns:a14="http://schemas.microsoft.com/office/drawing/2010/main" xmlns="">
+              <a14:hiddenEffects xmlns="" xmlns:a14="http://schemas.microsoft.com/office/drawing/2010/main">
                 <a:effectLst>
                   <a:outerShdw blurRad="63500" dist="38099" dir="2700000" algn="ctr" rotWithShape="0">
                     <a:srgbClr val="000000">
@@ -6663,9 +6663,22 @@
           </a:lstStyle>
           <a:p>
             <a:r>
-              <a:rPr lang="en-CA" sz="1200"/>
-              <a:t>http://thegenomefactory.blogspot.ca/2013/08/paired-end-read-confusion-library.html</a:t>
-            </a:r>
+              <a:rPr lang="en-CA" sz="1200" dirty="0"/>
+              <a:t>http://</a:t>
+            </a:r>
+            <a:r>
+              <a:rPr lang="en-CA" sz="1200" dirty="0" err="1"/>
+              <a:t>thegenomefactory.blogspot.ca</a:t>
+            </a:r>
+            <a:r>
+              <a:rPr lang="en-CA" sz="1200" dirty="0"/>
+              <a:t>/2013/08/paired-end-read-confusion-</a:t>
+            </a:r>
+            <a:r>
+              <a:rPr lang="en-CA" sz="1200" dirty="0" err="1"/>
+              <a:t>library.html</a:t>
+            </a:r>
+            <a:endParaRPr lang="en-CA" sz="1200" dirty="0"/>
           </a:p>
         </p:txBody>
       </p:sp>
@@ -6761,7 +6774,7 @@
           <a:effectLst/>
           <a:extLst>
             <a:ext uri="{909E8E84-426E-40dd-AFC4-6F175D3DCCD1}">
-              <a14:hiddenFill xmlns:a14="http://schemas.microsoft.com/office/drawing/2010/main" xmlns="">
+              <a14:hiddenFill xmlns="" xmlns:a14="http://schemas.microsoft.com/office/drawing/2010/main">
                 <a:blipFill dpi="0" rotWithShape="0">
                   <a:blip/>
                   <a:srcRect/>
@@ -6772,7 +6785,7 @@
               </a14:hiddenFill>
             </a:ext>
             <a:ext uri="{91240B29-F687-4f45-9708-019B960494DF}">
-              <a14:hiddenLine xmlns:a14="http://schemas.microsoft.com/office/drawing/2010/main" xmlns="" w="9525" cap="flat">
+              <a14:hiddenLine xmlns="" xmlns:a14="http://schemas.microsoft.com/office/drawing/2010/main" w="9525" cap="flat">
                 <a:solidFill>
                   <a:srgbClr val="3465A4"/>
                 </a:solidFill>
@@ -6782,7 +6795,7 @@
               </a14:hiddenLine>
             </a:ext>
             <a:ext uri="{AF507438-7753-43e0-B8FC-AC1667EBCBE1}">
-              <a14:hiddenEffects xmlns:a14="http://schemas.microsoft.com/office/drawing/2010/main" xmlns="">
+              <a14:hiddenEffects xmlns="" xmlns:a14="http://schemas.microsoft.com/office/drawing/2010/main">
                 <a:effectLst>
                   <a:outerShdw blurRad="63500" dist="38099" dir="2700000" algn="ctr" rotWithShape="0">
                     <a:srgbClr val="000000">
@@ -6818,14 +6831,14 @@
           <a:effectLst/>
           <a:extLst>
             <a:ext uri="{909E8E84-426E-40dd-AFC4-6F175D3DCCD1}">
-              <a14:hiddenFill xmlns:a14="http://schemas.microsoft.com/office/drawing/2010/main" xmlns="">
+              <a14:hiddenFill xmlns="" xmlns:a14="http://schemas.microsoft.com/office/drawing/2010/main">
                 <a:solidFill>
                   <a:srgbClr val="FFFFFF"/>
                 </a:solidFill>
               </a14:hiddenFill>
             </a:ext>
             <a:ext uri="{91240B29-F687-4f45-9708-019B960494DF}">
-              <a14:hiddenLine xmlns:a14="http://schemas.microsoft.com/office/drawing/2010/main" xmlns="" w="9525" cap="flat">
+              <a14:hiddenLine xmlns="" xmlns:a14="http://schemas.microsoft.com/office/drawing/2010/main" w="9525" cap="flat">
                 <a:solidFill>
                   <a:srgbClr val="000000"/>
                 </a:solidFill>
@@ -6835,7 +6848,7 @@
               </a14:hiddenLine>
             </a:ext>
             <a:ext uri="{AF507438-7753-43e0-B8FC-AC1667EBCBE1}">
-              <a14:hiddenEffects xmlns:a14="http://schemas.microsoft.com/office/drawing/2010/main" xmlns="">
+              <a14:hiddenEffects xmlns="" xmlns:a14="http://schemas.microsoft.com/office/drawing/2010/main">
                 <a:effectLst>
                   <a:outerShdw blurRad="63500" dist="38099" dir="2700000" algn="ctr" rotWithShape="0">
                     <a:srgbClr val="000000">
@@ -7118,14 +7131,14 @@
           <a:effectLst/>
           <a:extLst>
             <a:ext uri="{909E8E84-426E-40dd-AFC4-6F175D3DCCD1}">
-              <a14:hiddenFill xmlns:a14="http://schemas.microsoft.com/office/drawing/2010/main" xmlns="">
+              <a14:hiddenFill xmlns="" xmlns:a14="http://schemas.microsoft.com/office/drawing/2010/main">
                 <a:solidFill>
                   <a:srgbClr val="FFFFFF"/>
                 </a:solidFill>
               </a14:hiddenFill>
             </a:ext>
             <a:ext uri="{91240B29-F687-4f45-9708-019B960494DF}">
-              <a14:hiddenLine xmlns:a14="http://schemas.microsoft.com/office/drawing/2010/main" xmlns="" w="9525" cap="flat">
+              <a14:hiddenLine xmlns="" xmlns:a14="http://schemas.microsoft.com/office/drawing/2010/main" w="9525" cap="flat">
                 <a:solidFill>
                   <a:srgbClr val="3465A4"/>
                 </a:solidFill>
@@ -7135,7 +7148,7 @@
               </a14:hiddenLine>
             </a:ext>
             <a:ext uri="{AF507438-7753-43e0-B8FC-AC1667EBCBE1}">
-              <a14:hiddenEffects xmlns:a14="http://schemas.microsoft.com/office/drawing/2010/main" xmlns="">
+              <a14:hiddenEffects xmlns="" xmlns:a14="http://schemas.microsoft.com/office/drawing/2010/main">
                 <a:effectLst>
                   <a:outerShdw blurRad="63500" dist="38099" dir="2700000" algn="ctr" rotWithShape="0">
                     <a:srgbClr val="000000">
@@ -7492,14 +7505,14 @@
           </a:ln>
           <a:extLst>
             <a:ext uri="{909E8E84-426E-40dd-AFC4-6F175D3DCCD1}">
-              <a14:hiddenFill xmlns:a14="http://schemas.microsoft.com/office/drawing/2010/main" xmlns="">
+              <a14:hiddenFill xmlns="" xmlns:a14="http://schemas.microsoft.com/office/drawing/2010/main">
                 <a:solidFill>
                   <a:srgbClr val="FFFFFF"/>
                 </a:solidFill>
               </a14:hiddenFill>
             </a:ext>
             <a:ext uri="{91240B29-F687-4f45-9708-019B960494DF}">
-              <a14:hiddenLine xmlns:a14="http://schemas.microsoft.com/office/drawing/2010/main" xmlns="" w="9525">
+              <a14:hiddenLine xmlns="" xmlns:a14="http://schemas.microsoft.com/office/drawing/2010/main" w="9525">
                 <a:solidFill>
                   <a:srgbClr val="000000"/>
                 </a:solidFill>
@@ -7930,7 +7943,9 @@
       <p:cxnSp>
         <p:nvCxnSpPr>
           <p:cNvPr id="4" name="Straight Arrow Connector 3"/>
-          <p:cNvCxnSpPr/>
+          <p:cNvCxnSpPr>
+            <a:cxnSpLocks/>
+          </p:cNvCxnSpPr>
           <p:nvPr/>
         </p:nvCxnSpPr>
         <p:spPr>
@@ -7982,14 +7997,14 @@
           </a:ln>
           <a:extLst>
             <a:ext uri="{909E8E84-426E-40dd-AFC4-6F175D3DCCD1}">
-              <a14:hiddenFill xmlns:a14="http://schemas.microsoft.com/office/drawing/2010/main" xmlns="">
+              <a14:hiddenFill xmlns="" xmlns:a14="http://schemas.microsoft.com/office/drawing/2010/main">
                 <a:solidFill>
                   <a:srgbClr val="FFFFFF"/>
                 </a:solidFill>
               </a14:hiddenFill>
             </a:ext>
             <a:ext uri="{91240B29-F687-4f45-9708-019B960494DF}">
-              <a14:hiddenLine xmlns:a14="http://schemas.microsoft.com/office/drawing/2010/main" xmlns="" w="9525">
+              <a14:hiddenLine xmlns="" xmlns:a14="http://schemas.microsoft.com/office/drawing/2010/main" w="9525">
                 <a:solidFill>
                   <a:srgbClr val="000000"/>
                 </a:solidFill>
@@ -8001,7 +8016,7 @@
           </a:extLst>
         </p:spPr>
         <p:txBody>
-          <a:bodyPr wrap="none">
+          <a:bodyPr wrap="square">
             <a:spAutoFit/>
           </a:bodyPr>
           <a:lstStyle>
@@ -8124,7 +8139,9 @@
       <p:cxnSp>
         <p:nvCxnSpPr>
           <p:cNvPr id="8" name="Straight Arrow Connector 7"/>
-          <p:cNvCxnSpPr/>
+          <p:cNvCxnSpPr>
+            <a:cxnSpLocks/>
+          </p:cNvCxnSpPr>
           <p:nvPr/>
         </p:nvCxnSpPr>
         <p:spPr>
@@ -8176,14 +8193,14 @@
           </a:ln>
           <a:extLst>
             <a:ext uri="{909E8E84-426E-40dd-AFC4-6F175D3DCCD1}">
-              <a14:hiddenFill xmlns:a14="http://schemas.microsoft.com/office/drawing/2010/main" xmlns="">
+              <a14:hiddenFill xmlns="" xmlns:a14="http://schemas.microsoft.com/office/drawing/2010/main">
                 <a:solidFill>
                   <a:srgbClr val="FFFFFF"/>
                 </a:solidFill>
               </a14:hiddenFill>
             </a:ext>
             <a:ext uri="{91240B29-F687-4f45-9708-019B960494DF}">
-              <a14:hiddenLine xmlns:a14="http://schemas.microsoft.com/office/drawing/2010/main" xmlns="" w="9525">
+              <a14:hiddenLine xmlns="" xmlns:a14="http://schemas.microsoft.com/office/drawing/2010/main" w="9525">
                 <a:solidFill>
                   <a:srgbClr val="000000"/>
                 </a:solidFill>
@@ -8195,7 +8212,7 @@
           </a:extLst>
         </p:spPr>
         <p:txBody>
-          <a:bodyPr wrap="none">
+          <a:bodyPr wrap="square">
             <a:spAutoFit/>
           </a:bodyPr>
           <a:lstStyle>
@@ -8318,7 +8335,9 @@
       <p:cxnSp>
         <p:nvCxnSpPr>
           <p:cNvPr id="12" name="Straight Arrow Connector 11"/>
-          <p:cNvCxnSpPr/>
+          <p:cNvCxnSpPr>
+            <a:cxnSpLocks/>
+          </p:cNvCxnSpPr>
           <p:nvPr/>
         </p:nvCxnSpPr>
         <p:spPr>
@@ -8370,14 +8389,14 @@
           </a:ln>
           <a:extLst>
             <a:ext uri="{909E8E84-426E-40dd-AFC4-6F175D3DCCD1}">
-              <a14:hiddenFill xmlns:a14="http://schemas.microsoft.com/office/drawing/2010/main" xmlns="">
+              <a14:hiddenFill xmlns="" xmlns:a14="http://schemas.microsoft.com/office/drawing/2010/main">
                 <a:solidFill>
                   <a:srgbClr val="FFFFFF"/>
                 </a:solidFill>
               </a14:hiddenFill>
             </a:ext>
             <a:ext uri="{91240B29-F687-4f45-9708-019B960494DF}">
-              <a14:hiddenLine xmlns:a14="http://schemas.microsoft.com/office/drawing/2010/main" xmlns="" w="9525">
+              <a14:hiddenLine xmlns="" xmlns:a14="http://schemas.microsoft.com/office/drawing/2010/main" w="9525">
                 <a:solidFill>
                   <a:srgbClr val="000000"/>
                 </a:solidFill>
@@ -8389,7 +8408,7 @@
           </a:extLst>
         </p:spPr>
         <p:txBody>
-          <a:bodyPr wrap="none">
+          <a:bodyPr wrap="square">
             <a:spAutoFit/>
           </a:bodyPr>
           <a:lstStyle>
@@ -8531,14 +8550,14 @@
           </a:ln>
           <a:extLst>
             <a:ext uri="{909E8E84-426E-40dd-AFC4-6F175D3DCCD1}">
-              <a14:hiddenFill xmlns:a14="http://schemas.microsoft.com/office/drawing/2010/main" xmlns="">
+              <a14:hiddenFill xmlns="" xmlns:a14="http://schemas.microsoft.com/office/drawing/2010/main">
                 <a:solidFill>
                   <a:srgbClr val="FFFFFF"/>
                 </a:solidFill>
               </a14:hiddenFill>
             </a:ext>
             <a:ext uri="{91240B29-F687-4f45-9708-019B960494DF}">
-              <a14:hiddenLine xmlns:a14="http://schemas.microsoft.com/office/drawing/2010/main" xmlns="" w="9525">
+              <a14:hiddenLine xmlns="" xmlns:a14="http://schemas.microsoft.com/office/drawing/2010/main" w="9525">
                 <a:solidFill>
                   <a:srgbClr val="000000"/>
                 </a:solidFill>
@@ -8550,7 +8569,7 @@
           </a:extLst>
         </p:spPr>
         <p:txBody>
-          <a:bodyPr wrap="none">
+          <a:bodyPr wrap="square">
             <a:spAutoFit/>
           </a:bodyPr>
           <a:lstStyle>
@@ -8680,8 +8699,8 @@
         </p:nvCxnSpPr>
         <p:spPr>
           <a:xfrm flipV="1">
-            <a:off x="2062163" y="4149726"/>
-            <a:ext cx="577850" cy="358775"/>
+            <a:off x="2045505" y="4149727"/>
+            <a:ext cx="594508" cy="358775"/>
           </a:xfrm>
           <a:prstGeom prst="straightConnector1">
             <a:avLst/>
@@ -8727,14 +8746,14 @@
           </a:ln>
           <a:extLst>
             <a:ext uri="{909E8E84-426E-40dd-AFC4-6F175D3DCCD1}">
-              <a14:hiddenFill xmlns:a14="http://schemas.microsoft.com/office/drawing/2010/main" xmlns="">
+              <a14:hiddenFill xmlns="" xmlns:a14="http://schemas.microsoft.com/office/drawing/2010/main">
                 <a:solidFill>
                   <a:srgbClr val="FFFFFF"/>
                 </a:solidFill>
               </a14:hiddenFill>
             </a:ext>
             <a:ext uri="{91240B29-F687-4f45-9708-019B960494DF}">
-              <a14:hiddenLine xmlns:a14="http://schemas.microsoft.com/office/drawing/2010/main" xmlns="" w="9525">
+              <a14:hiddenLine xmlns="" xmlns:a14="http://schemas.microsoft.com/office/drawing/2010/main" w="9525">
                 <a:solidFill>
                   <a:srgbClr val="000000"/>
                 </a:solidFill>
@@ -8746,7 +8765,7 @@
           </a:extLst>
         </p:spPr>
         <p:txBody>
-          <a:bodyPr wrap="none">
+          <a:bodyPr wrap="square">
             <a:spAutoFit/>
           </a:bodyPr>
           <a:lstStyle>
@@ -8883,8 +8902,8 @@
         </p:nvCxnSpPr>
         <p:spPr>
           <a:xfrm flipV="1">
-            <a:off x="1985171" y="2719388"/>
-            <a:ext cx="654843" cy="360362"/>
+            <a:off x="1970413" y="2719388"/>
+            <a:ext cx="669601" cy="360363"/>
           </a:xfrm>
           <a:prstGeom prst="straightConnector1">
             <a:avLst/>
@@ -8911,7 +8930,9 @@
       <p:cxnSp>
         <p:nvCxnSpPr>
           <p:cNvPr id="21" name="Straight Arrow Connector 20"/>
-          <p:cNvCxnSpPr/>
+          <p:cNvCxnSpPr>
+            <a:cxnSpLocks/>
+          </p:cNvCxnSpPr>
           <p:nvPr/>
         </p:nvCxnSpPr>
         <p:spPr>
@@ -8963,14 +8984,14 @@
           </a:ln>
           <a:extLst>
             <a:ext uri="{909E8E84-426E-40dd-AFC4-6F175D3DCCD1}">
-              <a14:hiddenFill xmlns:a14="http://schemas.microsoft.com/office/drawing/2010/main" xmlns="">
+              <a14:hiddenFill xmlns="" xmlns:a14="http://schemas.microsoft.com/office/drawing/2010/main">
                 <a:solidFill>
                   <a:srgbClr val="FFFFFF"/>
                 </a:solidFill>
               </a14:hiddenFill>
             </a:ext>
             <a:ext uri="{91240B29-F687-4f45-9708-019B960494DF}">
-              <a14:hiddenLine xmlns:a14="http://schemas.microsoft.com/office/drawing/2010/main" xmlns="" w="9525">
+              <a14:hiddenLine xmlns="" xmlns:a14="http://schemas.microsoft.com/office/drawing/2010/main" w="9525">
                 <a:solidFill>
                   <a:srgbClr val="000000"/>
                 </a:solidFill>
@@ -8982,7 +9003,7 @@
           </a:extLst>
         </p:spPr>
         <p:txBody>
-          <a:bodyPr>
+          <a:bodyPr wrap="square">
             <a:spAutoFit/>
           </a:bodyPr>
           <a:lstStyle>
@@ -9105,7 +9126,9 @@
       <p:cxnSp>
         <p:nvCxnSpPr>
           <p:cNvPr id="24" name="Straight Arrow Connector 23"/>
-          <p:cNvCxnSpPr/>
+          <p:cNvCxnSpPr>
+            <a:cxnSpLocks/>
+          </p:cNvCxnSpPr>
           <p:nvPr/>
         </p:nvCxnSpPr>
         <p:spPr>
@@ -9157,14 +9180,14 @@
           </a:ln>
           <a:extLst>
             <a:ext uri="{909E8E84-426E-40dd-AFC4-6F175D3DCCD1}">
-              <a14:hiddenFill xmlns:a14="http://schemas.microsoft.com/office/drawing/2010/main" xmlns="">
+              <a14:hiddenFill xmlns="" xmlns:a14="http://schemas.microsoft.com/office/drawing/2010/main">
                 <a:solidFill>
                   <a:srgbClr val="FFFFFF"/>
                 </a:solidFill>
               </a14:hiddenFill>
             </a:ext>
             <a:ext uri="{91240B29-F687-4f45-9708-019B960494DF}">
-              <a14:hiddenLine xmlns:a14="http://schemas.microsoft.com/office/drawing/2010/main" xmlns="" w="9525">
+              <a14:hiddenLine xmlns="" xmlns:a14="http://schemas.microsoft.com/office/drawing/2010/main" w="9525">
                 <a:solidFill>
                   <a:srgbClr val="000000"/>
                 </a:solidFill>
@@ -9176,7 +9199,7 @@
           </a:extLst>
         </p:spPr>
         <p:txBody>
-          <a:bodyPr>
+          <a:bodyPr wrap="square">
             <a:spAutoFit/>
           </a:bodyPr>
           <a:lstStyle>
@@ -9290,7 +9313,7 @@
           <a:p>
             <a:pPr algn="ctr" eaLnBrk="1" hangingPunct="1"/>
             <a:r>
-              <a:rPr lang="en-US" sz="1200"/>
+              <a:rPr lang="en-US" sz="1200" dirty="0"/>
               <a:t>Single reads, spliced</a:t>
             </a:r>
           </a:p>
@@ -9299,7 +9322,9 @@
       <p:cxnSp>
         <p:nvCxnSpPr>
           <p:cNvPr id="27" name="Straight Arrow Connector 26"/>
-          <p:cNvCxnSpPr/>
+          <p:cNvCxnSpPr>
+            <a:cxnSpLocks/>
+          </p:cNvCxnSpPr>
           <p:nvPr/>
         </p:nvCxnSpPr>
         <p:spPr>
@@ -9351,14 +9376,14 @@
           </a:ln>
           <a:extLst>
             <a:ext uri="{909E8E84-426E-40dd-AFC4-6F175D3DCCD1}">
-              <a14:hiddenFill xmlns:a14="http://schemas.microsoft.com/office/drawing/2010/main" xmlns="">
+              <a14:hiddenFill xmlns="" xmlns:a14="http://schemas.microsoft.com/office/drawing/2010/main">
                 <a:solidFill>
                   <a:srgbClr val="FFFFFF"/>
                 </a:solidFill>
               </a14:hiddenFill>
             </a:ext>
             <a:ext uri="{91240B29-F687-4f45-9708-019B960494DF}">
-              <a14:hiddenLine xmlns:a14="http://schemas.microsoft.com/office/drawing/2010/main" xmlns="" w="9525">
+              <a14:hiddenLine xmlns="" xmlns:a14="http://schemas.microsoft.com/office/drawing/2010/main" w="9525">
                 <a:solidFill>
                   <a:srgbClr val="000000"/>
                 </a:solidFill>
@@ -9370,7 +9395,7 @@
           </a:extLst>
         </p:spPr>
         <p:txBody>
-          <a:bodyPr wrap="none">
+          <a:bodyPr wrap="square">
             <a:spAutoFit/>
           </a:bodyPr>
           <a:lstStyle>
@@ -9500,7 +9525,9 @@
       <p:cxnSp>
         <p:nvCxnSpPr>
           <p:cNvPr id="30" name="Straight Arrow Connector 29"/>
-          <p:cNvCxnSpPr/>
+          <p:cNvCxnSpPr>
+            <a:cxnSpLocks/>
+          </p:cNvCxnSpPr>
           <p:nvPr/>
         </p:nvCxnSpPr>
         <p:spPr>
@@ -9552,14 +9579,14 @@
           </a:ln>
           <a:extLst>
             <a:ext uri="{909E8E84-426E-40dd-AFC4-6F175D3DCCD1}">
-              <a14:hiddenFill xmlns:a14="http://schemas.microsoft.com/office/drawing/2010/main" xmlns="">
+              <a14:hiddenFill xmlns="" xmlns:a14="http://schemas.microsoft.com/office/drawing/2010/main">
                 <a:solidFill>
                   <a:srgbClr val="FFFFFF"/>
                 </a:solidFill>
               </a14:hiddenFill>
             </a:ext>
             <a:ext uri="{91240B29-F687-4f45-9708-019B960494DF}">
-              <a14:hiddenLine xmlns:a14="http://schemas.microsoft.com/office/drawing/2010/main" xmlns="" w="9525">
+              <a14:hiddenLine xmlns="" xmlns:a14="http://schemas.microsoft.com/office/drawing/2010/main" w="9525">
                 <a:solidFill>
                   <a:srgbClr val="000000"/>
                 </a:solidFill>
@@ -9571,7 +9598,7 @@
           </a:extLst>
         </p:spPr>
         <p:txBody>
-          <a:bodyPr wrap="none">
+          <a:bodyPr wrap="square">
             <a:spAutoFit/>
           </a:bodyPr>
           <a:lstStyle>
@@ -9694,7 +9721,9 @@
       <p:cxnSp>
         <p:nvCxnSpPr>
           <p:cNvPr id="34" name="Straight Arrow Connector 33"/>
-          <p:cNvCxnSpPr/>
+          <p:cNvCxnSpPr>
+            <a:cxnSpLocks/>
+          </p:cNvCxnSpPr>
           <p:nvPr/>
         </p:nvCxnSpPr>
         <p:spPr>
@@ -9746,14 +9775,14 @@
           </a:ln>
           <a:extLst>
             <a:ext uri="{909E8E84-426E-40dd-AFC4-6F175D3DCCD1}">
-              <a14:hiddenFill xmlns:a14="http://schemas.microsoft.com/office/drawing/2010/main" xmlns="">
+              <a14:hiddenFill xmlns="" xmlns:a14="http://schemas.microsoft.com/office/drawing/2010/main">
                 <a:solidFill>
                   <a:srgbClr val="FFFFFF"/>
                 </a:solidFill>
               </a14:hiddenFill>
             </a:ext>
             <a:ext uri="{91240B29-F687-4f45-9708-019B960494DF}">
-              <a14:hiddenLine xmlns:a14="http://schemas.microsoft.com/office/drawing/2010/main" xmlns="" w="9525">
+              <a14:hiddenLine xmlns="" xmlns:a14="http://schemas.microsoft.com/office/drawing/2010/main" w="9525">
                 <a:solidFill>
                   <a:srgbClr val="000000"/>
                 </a:solidFill>
@@ -9765,7 +9794,7 @@
           </a:extLst>
         </p:spPr>
         <p:txBody>
-          <a:bodyPr wrap="none">
+          <a:bodyPr wrap="square">
             <a:spAutoFit/>
           </a:bodyPr>
           <a:lstStyle>
@@ -9895,7 +9924,9 @@
       <p:cxnSp>
         <p:nvCxnSpPr>
           <p:cNvPr id="37" name="Straight Arrow Connector 36"/>
-          <p:cNvCxnSpPr/>
+          <p:cNvCxnSpPr>
+            <a:cxnSpLocks/>
+          </p:cNvCxnSpPr>
           <p:nvPr/>
         </p:nvCxnSpPr>
         <p:spPr>
@@ -9947,14 +9978,14 @@
           </a:ln>
           <a:extLst>
             <a:ext uri="{909E8E84-426E-40dd-AFC4-6F175D3DCCD1}">
-              <a14:hiddenFill xmlns:a14="http://schemas.microsoft.com/office/drawing/2010/main" xmlns="">
+              <a14:hiddenFill xmlns="" xmlns:a14="http://schemas.microsoft.com/office/drawing/2010/main">
                 <a:solidFill>
                   <a:srgbClr val="FFFFFF"/>
                 </a:solidFill>
               </a14:hiddenFill>
             </a:ext>
             <a:ext uri="{91240B29-F687-4f45-9708-019B960494DF}">
-              <a14:hiddenLine xmlns:a14="http://schemas.microsoft.com/office/drawing/2010/main" xmlns="" w="9525">
+              <a14:hiddenLine xmlns="" xmlns:a14="http://schemas.microsoft.com/office/drawing/2010/main" w="9525">
                 <a:solidFill>
                   <a:srgbClr val="000000"/>
                 </a:solidFill>
@@ -9966,7 +9997,7 @@
           </a:extLst>
         </p:spPr>
         <p:txBody>
-          <a:bodyPr wrap="none">
+          <a:bodyPr wrap="square">
             <a:spAutoFit/>
           </a:bodyPr>
           <a:lstStyle>
@@ -10096,7 +10127,9 @@
       <p:cxnSp>
         <p:nvCxnSpPr>
           <p:cNvPr id="40" name="Straight Arrow Connector 39"/>
-          <p:cNvCxnSpPr/>
+          <p:cNvCxnSpPr>
+            <a:cxnSpLocks/>
+          </p:cNvCxnSpPr>
           <p:nvPr/>
         </p:nvCxnSpPr>
         <p:spPr>
@@ -10148,14 +10181,14 @@
           </a:ln>
           <a:extLst>
             <a:ext uri="{909E8E84-426E-40dd-AFC4-6F175D3DCCD1}">
-              <a14:hiddenFill xmlns:a14="http://schemas.microsoft.com/office/drawing/2010/main" xmlns="">
+              <a14:hiddenFill xmlns="" xmlns:a14="http://schemas.microsoft.com/office/drawing/2010/main">
                 <a:solidFill>
                   <a:srgbClr val="FFFFFF"/>
                 </a:solidFill>
               </a14:hiddenFill>
             </a:ext>
             <a:ext uri="{91240B29-F687-4f45-9708-019B960494DF}">
-              <a14:hiddenLine xmlns:a14="http://schemas.microsoft.com/office/drawing/2010/main" xmlns="" w="9525">
+              <a14:hiddenLine xmlns="" xmlns:a14="http://schemas.microsoft.com/office/drawing/2010/main" w="9525">
                 <a:solidFill>
                   <a:srgbClr val="000000"/>
                 </a:solidFill>
@@ -10167,7 +10200,7 @@
           </a:extLst>
         </p:spPr>
         <p:txBody>
-          <a:bodyPr wrap="none">
+          <a:bodyPr wrap="square">
             <a:spAutoFit/>
           </a:bodyPr>
           <a:lstStyle>
@@ -10642,7 +10675,7 @@
           <a:effectLst/>
           <a:extLst>
             <a:ext uri="{909E8E84-426E-40dd-AFC4-6F175D3DCCD1}">
-              <a14:hiddenFill xmlns:a14="http://schemas.microsoft.com/office/drawing/2010/main" xmlns="">
+              <a14:hiddenFill xmlns="" xmlns:a14="http://schemas.microsoft.com/office/drawing/2010/main">
                 <a:blipFill dpi="0" rotWithShape="0">
                   <a:blip/>
                   <a:srcRect/>
@@ -10653,7 +10686,7 @@
               </a14:hiddenFill>
             </a:ext>
             <a:ext uri="{91240B29-F687-4f45-9708-019B960494DF}">
-              <a14:hiddenLine xmlns:a14="http://schemas.microsoft.com/office/drawing/2010/main" xmlns="" w="9525" cap="flat">
+              <a14:hiddenLine xmlns="" xmlns:a14="http://schemas.microsoft.com/office/drawing/2010/main" w="9525" cap="flat">
                 <a:solidFill>
                   <a:srgbClr val="3465A4"/>
                 </a:solidFill>
@@ -10663,7 +10696,7 @@
               </a14:hiddenLine>
             </a:ext>
             <a:ext uri="{AF507438-7753-43e0-B8FC-AC1667EBCBE1}">
-              <a14:hiddenEffects xmlns:a14="http://schemas.microsoft.com/office/drawing/2010/main" xmlns="">
+              <a14:hiddenEffects xmlns="" xmlns:a14="http://schemas.microsoft.com/office/drawing/2010/main">
                 <a:effectLst>
                   <a:outerShdw blurRad="63500" dist="38099" dir="2700000" algn="ctr" rotWithShape="0">
                     <a:srgbClr val="000000">
@@ -10712,7 +10745,7 @@
           <a:effectLst/>
           <a:extLst>
             <a:ext uri="{909E8E84-426E-40dd-AFC4-6F175D3DCCD1}">
-              <a14:hiddenFill xmlns:a14="http://schemas.microsoft.com/office/drawing/2010/main" xmlns="">
+              <a14:hiddenFill xmlns="" xmlns:a14="http://schemas.microsoft.com/office/drawing/2010/main">
                 <a:blipFill dpi="0" rotWithShape="0">
                   <a:blip/>
                   <a:srcRect/>
@@ -10723,7 +10756,7 @@
               </a14:hiddenFill>
             </a:ext>
             <a:ext uri="{91240B29-F687-4f45-9708-019B960494DF}">
-              <a14:hiddenLine xmlns:a14="http://schemas.microsoft.com/office/drawing/2010/main" xmlns="" w="9525" cap="flat">
+              <a14:hiddenLine xmlns="" xmlns:a14="http://schemas.microsoft.com/office/drawing/2010/main" w="9525" cap="flat">
                 <a:solidFill>
                   <a:srgbClr val="3465A4"/>
                 </a:solidFill>
@@ -10733,7 +10766,7 @@
               </a14:hiddenLine>
             </a:ext>
             <a:ext uri="{AF507438-7753-43e0-B8FC-AC1667EBCBE1}">
-              <a14:hiddenEffects xmlns:a14="http://schemas.microsoft.com/office/drawing/2010/main" xmlns="">
+              <a14:hiddenEffects xmlns="" xmlns:a14="http://schemas.microsoft.com/office/drawing/2010/main">
                 <a:effectLst>
                   <a:outerShdw blurRad="63500" dist="38099" dir="2700000" algn="ctr" rotWithShape="0">
                     <a:srgbClr val="000000">
@@ -10774,12 +10807,12 @@
           <a:effectLst/>
           <a:extLst>
             <a:ext uri="{909E8E84-426E-40dd-AFC4-6F175D3DCCD1}">
-              <a14:hiddenFill xmlns:a14="http://schemas.microsoft.com/office/drawing/2010/main" xmlns="">
+              <a14:hiddenFill xmlns="" xmlns:a14="http://schemas.microsoft.com/office/drawing/2010/main">
                 <a:noFill/>
               </a14:hiddenFill>
             </a:ext>
             <a:ext uri="{AF507438-7753-43e0-B8FC-AC1667EBCBE1}">
-              <a14:hiddenEffects xmlns:a14="http://schemas.microsoft.com/office/drawing/2010/main" xmlns="">
+              <a14:hiddenEffects xmlns="" xmlns:a14="http://schemas.microsoft.com/office/drawing/2010/main">
                 <a:effectLst>
                   <a:outerShdw blurRad="63500" dist="38099" dir="2700000" algn="ctr" rotWithShape="0">
                     <a:srgbClr val="000000">
@@ -10822,14 +10855,14 @@
           <a:effectLst/>
           <a:extLst>
             <a:ext uri="{909E8E84-426E-40dd-AFC4-6F175D3DCCD1}">
-              <a14:hiddenFill xmlns:a14="http://schemas.microsoft.com/office/drawing/2010/main" xmlns="">
+              <a14:hiddenFill xmlns="" xmlns:a14="http://schemas.microsoft.com/office/drawing/2010/main">
                 <a:solidFill>
                   <a:srgbClr val="FFFFFF"/>
                 </a:solidFill>
               </a14:hiddenFill>
             </a:ext>
             <a:ext uri="{91240B29-F687-4f45-9708-019B960494DF}">
-              <a14:hiddenLine xmlns:a14="http://schemas.microsoft.com/office/drawing/2010/main" xmlns="" w="9525" cap="flat">
+              <a14:hiddenLine xmlns="" xmlns:a14="http://schemas.microsoft.com/office/drawing/2010/main" w="9525" cap="flat">
                 <a:solidFill>
                   <a:srgbClr val="000000"/>
                 </a:solidFill>
@@ -10839,7 +10872,7 @@
               </a14:hiddenLine>
             </a:ext>
             <a:ext uri="{AF507438-7753-43e0-B8FC-AC1667EBCBE1}">
-              <a14:hiddenEffects xmlns:a14="http://schemas.microsoft.com/office/drawing/2010/main" xmlns="">
+              <a14:hiddenEffects xmlns="" xmlns:a14="http://schemas.microsoft.com/office/drawing/2010/main">
                 <a:effectLst>
                   <a:outerShdw blurRad="63500" dist="38099" dir="2700000" algn="ctr" rotWithShape="0">
                     <a:srgbClr val="000000">
@@ -11155,7 +11188,7 @@
           <a:effectLst/>
           <a:extLst>
             <a:ext uri="{909E8E84-426E-40dd-AFC4-6F175D3DCCD1}">
-              <a14:hiddenFill xmlns:a14="http://schemas.microsoft.com/office/drawing/2010/main" xmlns="">
+              <a14:hiddenFill xmlns="" xmlns:a14="http://schemas.microsoft.com/office/drawing/2010/main">
                 <a:blipFill dpi="0" rotWithShape="0">
                   <a:blip/>
                   <a:srcRect/>
@@ -11166,7 +11199,7 @@
               </a14:hiddenFill>
             </a:ext>
             <a:ext uri="{91240B29-F687-4f45-9708-019B960494DF}">
-              <a14:hiddenLine xmlns:a14="http://schemas.microsoft.com/office/drawing/2010/main" xmlns="" w="9525" cap="flat">
+              <a14:hiddenLine xmlns="" xmlns:a14="http://schemas.microsoft.com/office/drawing/2010/main" w="9525" cap="flat">
                 <a:solidFill>
                   <a:srgbClr val="3465A4"/>
                 </a:solidFill>
@@ -11176,7 +11209,7 @@
               </a14:hiddenLine>
             </a:ext>
             <a:ext uri="{AF507438-7753-43e0-B8FC-AC1667EBCBE1}">
-              <a14:hiddenEffects xmlns:a14="http://schemas.microsoft.com/office/drawing/2010/main" xmlns="">
+              <a14:hiddenEffects xmlns="" xmlns:a14="http://schemas.microsoft.com/office/drawing/2010/main">
                 <a:effectLst>
                   <a:outerShdw blurRad="63500" dist="38099" dir="2700000" algn="ctr" rotWithShape="0">
                     <a:srgbClr val="000000">
@@ -11225,7 +11258,7 @@
           <a:effectLst/>
           <a:extLst>
             <a:ext uri="{909E8E84-426E-40dd-AFC4-6F175D3DCCD1}">
-              <a14:hiddenFill xmlns:a14="http://schemas.microsoft.com/office/drawing/2010/main" xmlns="">
+              <a14:hiddenFill xmlns="" xmlns:a14="http://schemas.microsoft.com/office/drawing/2010/main">
                 <a:blipFill dpi="0" rotWithShape="0">
                   <a:blip/>
                   <a:srcRect/>
@@ -11236,7 +11269,7 @@
               </a14:hiddenFill>
             </a:ext>
             <a:ext uri="{91240B29-F687-4f45-9708-019B960494DF}">
-              <a14:hiddenLine xmlns:a14="http://schemas.microsoft.com/office/drawing/2010/main" xmlns="" w="9525" cap="flat">
+              <a14:hiddenLine xmlns="" xmlns:a14="http://schemas.microsoft.com/office/drawing/2010/main" w="9525" cap="flat">
                 <a:solidFill>
                   <a:srgbClr val="3465A4"/>
                 </a:solidFill>
@@ -11246,7 +11279,7 @@
               </a14:hiddenLine>
             </a:ext>
             <a:ext uri="{AF507438-7753-43e0-B8FC-AC1667EBCBE1}">
-              <a14:hiddenEffects xmlns:a14="http://schemas.microsoft.com/office/drawing/2010/main" xmlns="">
+              <a14:hiddenEffects xmlns="" xmlns:a14="http://schemas.microsoft.com/office/drawing/2010/main">
                 <a:effectLst>
                   <a:outerShdw blurRad="63500" dist="38099" dir="2700000" algn="ctr" rotWithShape="0">
                     <a:srgbClr val="000000">
@@ -11282,14 +11315,14 @@
           <a:effectLst/>
           <a:extLst>
             <a:ext uri="{909E8E84-426E-40dd-AFC4-6F175D3DCCD1}">
-              <a14:hiddenFill xmlns:a14="http://schemas.microsoft.com/office/drawing/2010/main" xmlns="">
+              <a14:hiddenFill xmlns="" xmlns:a14="http://schemas.microsoft.com/office/drawing/2010/main">
                 <a:solidFill>
                   <a:srgbClr val="FFFFFF"/>
                 </a:solidFill>
               </a14:hiddenFill>
             </a:ext>
             <a:ext uri="{91240B29-F687-4f45-9708-019B960494DF}">
-              <a14:hiddenLine xmlns:a14="http://schemas.microsoft.com/office/drawing/2010/main" xmlns="" w="9525" cap="flat">
+              <a14:hiddenLine xmlns="" xmlns:a14="http://schemas.microsoft.com/office/drawing/2010/main" w="9525" cap="flat">
                 <a:solidFill>
                   <a:srgbClr val="000000"/>
                 </a:solidFill>
@@ -11299,7 +11332,7 @@
               </a14:hiddenLine>
             </a:ext>
             <a:ext uri="{AF507438-7753-43e0-B8FC-AC1667EBCBE1}">
-              <a14:hiddenEffects xmlns:a14="http://schemas.microsoft.com/office/drawing/2010/main" xmlns="">
+              <a14:hiddenEffects xmlns="" xmlns:a14="http://schemas.microsoft.com/office/drawing/2010/main">
                 <a:effectLst>
                   <a:outerShdw blurRad="63500" dist="38099" dir="2700000" algn="ctr" rotWithShape="0">
                     <a:srgbClr val="000000">
@@ -11621,14 +11654,14 @@
           <a:effectLst/>
           <a:extLst>
             <a:ext uri="{909E8E84-426E-40dd-AFC4-6F175D3DCCD1}">
-              <a14:hiddenFill xmlns:a14="http://schemas.microsoft.com/office/drawing/2010/main" xmlns="">
+              <a14:hiddenFill xmlns="" xmlns:a14="http://schemas.microsoft.com/office/drawing/2010/main">
                 <a:solidFill>
                   <a:srgbClr val="FFFFFF"/>
                 </a:solidFill>
               </a14:hiddenFill>
             </a:ext>
             <a:ext uri="{91240B29-F687-4f45-9708-019B960494DF}">
-              <a14:hiddenLine xmlns:a14="http://schemas.microsoft.com/office/drawing/2010/main" xmlns="" w="9525" cap="flat">
+              <a14:hiddenLine xmlns="" xmlns:a14="http://schemas.microsoft.com/office/drawing/2010/main" w="9525" cap="flat">
                 <a:solidFill>
                   <a:srgbClr val="000000"/>
                 </a:solidFill>
@@ -11638,7 +11671,7 @@
               </a14:hiddenLine>
             </a:ext>
             <a:ext uri="{AF507438-7753-43e0-B8FC-AC1667EBCBE1}">
-              <a14:hiddenEffects xmlns:a14="http://schemas.microsoft.com/office/drawing/2010/main" xmlns="">
+              <a14:hiddenEffects xmlns="" xmlns:a14="http://schemas.microsoft.com/office/drawing/2010/main">
                 <a:effectLst>
                   <a:outerShdw blurRad="63500" dist="38099" dir="2700000" algn="ctr" rotWithShape="0">
                     <a:srgbClr val="000000">
@@ -12080,7 +12113,7 @@
           <a:effectLst/>
           <a:extLst>
             <a:ext uri="{909E8E84-426E-40dd-AFC4-6F175D3DCCD1}">
-              <a14:hiddenFill xmlns="" xmlns:a14="http://schemas.microsoft.com/office/drawing/2010/main">
+              <a14:hiddenFill xmlns:a14="http://schemas.microsoft.com/office/drawing/2010/main" xmlns="">
                 <a:blipFill dpi="0" rotWithShape="0">
                   <a:blip/>
                   <a:srcRect/>
@@ -12091,7 +12124,7 @@
               </a14:hiddenFill>
             </a:ext>
             <a:ext uri="{91240B29-F687-4f45-9708-019B960494DF}">
-              <a14:hiddenLine xmlns="" xmlns:a14="http://schemas.microsoft.com/office/drawing/2010/main" w="9525" cap="flat">
+              <a14:hiddenLine xmlns:a14="http://schemas.microsoft.com/office/drawing/2010/main" xmlns="" w="9525" cap="flat">
                 <a:solidFill>
                   <a:srgbClr val="3465A4"/>
                 </a:solidFill>
@@ -12101,7 +12134,7 @@
               </a14:hiddenLine>
             </a:ext>
             <a:ext uri="{AF507438-7753-43e0-B8FC-AC1667EBCBE1}">
-              <a14:hiddenEffects xmlns="" xmlns:a14="http://schemas.microsoft.com/office/drawing/2010/main">
+              <a14:hiddenEffects xmlns:a14="http://schemas.microsoft.com/office/drawing/2010/main" xmlns="">
                 <a:effectLst>
                   <a:outerShdw blurRad="63500" dist="38099" dir="2700000" algn="ctr" rotWithShape="0">
                     <a:srgbClr val="000000">
@@ -12432,7 +12465,7 @@
           <a:effectLst/>
           <a:extLst>
             <a:ext uri="{909E8E84-426E-40dd-AFC4-6F175D3DCCD1}">
-              <a14:hiddenFill xmlns="" xmlns:a14="http://schemas.microsoft.com/office/drawing/2010/main">
+              <a14:hiddenFill xmlns:a14="http://schemas.microsoft.com/office/drawing/2010/main" xmlns="">
                 <a:blipFill dpi="0" rotWithShape="0">
                   <a:blip/>
                   <a:srcRect/>
@@ -12443,7 +12476,7 @@
               </a14:hiddenFill>
             </a:ext>
             <a:ext uri="{91240B29-F687-4f45-9708-019B960494DF}">
-              <a14:hiddenLine xmlns="" xmlns:a14="http://schemas.microsoft.com/office/drawing/2010/main" w="9525" cap="flat">
+              <a14:hiddenLine xmlns:a14="http://schemas.microsoft.com/office/drawing/2010/main" xmlns="" w="9525" cap="flat">
                 <a:solidFill>
                   <a:srgbClr val="3465A4"/>
                 </a:solidFill>
@@ -12453,7 +12486,7 @@
               </a14:hiddenLine>
             </a:ext>
             <a:ext uri="{AF507438-7753-43e0-B8FC-AC1667EBCBE1}">
-              <a14:hiddenEffects xmlns="" xmlns:a14="http://schemas.microsoft.com/office/drawing/2010/main">
+              <a14:hiddenEffects xmlns:a14="http://schemas.microsoft.com/office/drawing/2010/main" xmlns="">
                 <a:effectLst>
                   <a:outerShdw blurRad="63500" dist="38099" dir="2700000" algn="ctr" rotWithShape="0">
                     <a:srgbClr val="000000">
@@ -12495,14 +12528,14 @@
           <a:effectLst/>
           <a:extLst>
             <a:ext uri="{909E8E84-426E-40dd-AFC4-6F175D3DCCD1}">
-              <a14:hiddenFill xmlns="" xmlns:a14="http://schemas.microsoft.com/office/drawing/2010/main">
+              <a14:hiddenFill xmlns:a14="http://schemas.microsoft.com/office/drawing/2010/main" xmlns="">
                 <a:solidFill>
                   <a:srgbClr val="FFFFFF"/>
                 </a:solidFill>
               </a14:hiddenFill>
             </a:ext>
             <a:ext uri="{91240B29-F687-4f45-9708-019B960494DF}">
-              <a14:hiddenLine xmlns="" xmlns:a14="http://schemas.microsoft.com/office/drawing/2010/main" w="9525" cap="flat">
+              <a14:hiddenLine xmlns:a14="http://schemas.microsoft.com/office/drawing/2010/main" xmlns="" w="9525" cap="flat">
                 <a:solidFill>
                   <a:srgbClr val="3465A4"/>
                 </a:solidFill>
@@ -12512,7 +12545,7 @@
               </a14:hiddenLine>
             </a:ext>
             <a:ext uri="{AF507438-7753-43e0-B8FC-AC1667EBCBE1}">
-              <a14:hiddenEffects xmlns="" xmlns:a14="http://schemas.microsoft.com/office/drawing/2010/main">
+              <a14:hiddenEffects xmlns:a14="http://schemas.microsoft.com/office/drawing/2010/main" xmlns="">
                 <a:effectLst>
                   <a:outerShdw blurRad="63500" dist="38099" dir="2700000" algn="ctr" rotWithShape="0">
                     <a:srgbClr val="000000">

--- a/assets/lectures/cbw-cshl/2019/mini/RNASeq_MiniLecture_08_03_alignmentQC.pptx
+++ b/assets/lectures/cbw-cshl/2019/mini/RNASeq_MiniLecture_08_03_alignmentQC.pptx
@@ -210,7 +210,7 @@
           <a:p>
             <a:fld id="{6AEFB71E-F1C4-D746-9C58-AFA29060B4FF}" type="datetimeFigureOut">
               <a:rPr lang="en-US" smtClean="0"/>
-              <a:t>3/11/19</a:t>
+              <a:t>3/12/19</a:t>
             </a:fld>
             <a:endParaRPr lang="en-US"/>
           </a:p>
@@ -516,14 +516,14 @@
           </a:ln>
           <a:extLst>
             <a:ext uri="{909E8E84-426E-40dd-AFC4-6F175D3DCCD1}">
-              <a14:hiddenFill xmlns="" xmlns:a14="http://schemas.microsoft.com/office/drawing/2010/main">
+              <a14:hiddenFill xmlns:a14="http://schemas.microsoft.com/office/drawing/2010/main" xmlns="">
                 <a:solidFill>
                   <a:srgbClr val="FFFFFF"/>
                 </a:solidFill>
               </a14:hiddenFill>
             </a:ext>
             <a:ext uri="{FAA26D3D-D897-4be2-8F04-BA451C77F1D7}">
-              <ma14:placeholderFlag xmlns="" xmlns:ma14="http://schemas.microsoft.com/office/mac/drawingml/2011/main" val="1"/>
+              <ma14:placeholderFlag xmlns:ma14="http://schemas.microsoft.com/office/mac/drawingml/2011/main" xmlns="" val="1"/>
             </a:ext>
           </a:extLst>
         </p:spPr>
@@ -542,14 +542,14 @@
           <a:noFill/>
           <a:extLst>
             <a:ext uri="{909E8E84-426E-40dd-AFC4-6F175D3DCCD1}">
-              <a14:hiddenFill xmlns="" xmlns:a14="http://schemas.microsoft.com/office/drawing/2010/main">
+              <a14:hiddenFill xmlns:a14="http://schemas.microsoft.com/office/drawing/2010/main" xmlns="">
                 <a:solidFill>
                   <a:srgbClr val="FFFFFF"/>
                 </a:solidFill>
               </a14:hiddenFill>
             </a:ext>
             <a:ext uri="{91240B29-F687-4f45-9708-019B960494DF}">
-              <a14:hiddenLine xmlns="" xmlns:a14="http://schemas.microsoft.com/office/drawing/2010/main" w="9525">
+              <a14:hiddenLine xmlns:a14="http://schemas.microsoft.com/office/drawing/2010/main" xmlns="" w="9525">
                 <a:solidFill>
                   <a:srgbClr val="000000"/>
                 </a:solidFill>
@@ -559,7 +559,7 @@
               </a14:hiddenLine>
             </a:ext>
             <a:ext uri="{FAA26D3D-D897-4be2-8F04-BA451C77F1D7}">
-              <ma14:placeholderFlag xmlns="" xmlns:ma14="http://schemas.microsoft.com/office/mac/drawingml/2011/main" val="1"/>
+              <ma14:placeholderFlag xmlns:ma14="http://schemas.microsoft.com/office/mac/drawingml/2011/main" xmlns="" val="1"/>
             </a:ext>
           </a:extLst>
         </p:spPr>
@@ -593,14 +593,14 @@
           <a:noFill/>
           <a:extLst>
             <a:ext uri="{909E8E84-426E-40dd-AFC4-6F175D3DCCD1}">
-              <a14:hiddenFill xmlns="" xmlns:a14="http://schemas.microsoft.com/office/drawing/2010/main">
+              <a14:hiddenFill xmlns:a14="http://schemas.microsoft.com/office/drawing/2010/main" xmlns="">
                 <a:solidFill>
                   <a:srgbClr val="FFFFFF"/>
                 </a:solidFill>
               </a14:hiddenFill>
             </a:ext>
             <a:ext uri="{91240B29-F687-4f45-9708-019B960494DF}">
-              <a14:hiddenLine xmlns="" xmlns:a14="http://schemas.microsoft.com/office/drawing/2010/main" w="9525">
+              <a14:hiddenLine xmlns:a14="http://schemas.microsoft.com/office/drawing/2010/main" xmlns="" w="9525">
                 <a:solidFill>
                   <a:srgbClr val="000000"/>
                 </a:solidFill>
@@ -1055,14 +1055,14 @@
           </a:ln>
           <a:extLst>
             <a:ext uri="{909E8E84-426E-40dd-AFC4-6F175D3DCCD1}">
-              <a14:hiddenFill xmlns="" xmlns:a14="http://schemas.microsoft.com/office/drawing/2010/main">
+              <a14:hiddenFill xmlns:a14="http://schemas.microsoft.com/office/drawing/2010/main" xmlns="">
                 <a:solidFill>
                   <a:srgbClr val="FFFFFF"/>
                 </a:solidFill>
               </a14:hiddenFill>
             </a:ext>
             <a:ext uri="{91240B29-F687-4f45-9708-019B960494DF}">
-              <a14:hiddenLine xmlns="" xmlns:a14="http://schemas.microsoft.com/office/drawing/2010/main" w="9525">
+              <a14:hiddenLine xmlns:a14="http://schemas.microsoft.com/office/drawing/2010/main" xmlns="" w="9525">
                 <a:solidFill>
                   <a:srgbClr val="000000"/>
                 </a:solidFill>
@@ -3818,14 +3818,14 @@
           </a:ln>
           <a:extLst>
             <a:ext uri="{909E8E84-426E-40dd-AFC4-6F175D3DCCD1}">
-              <a14:hiddenFill xmlns="" xmlns:a14="http://schemas.microsoft.com/office/drawing/2010/main">
+              <a14:hiddenFill xmlns:a14="http://schemas.microsoft.com/office/drawing/2010/main" xmlns="">
                 <a:solidFill>
                   <a:srgbClr val="FFFFFF"/>
                 </a:solidFill>
               </a14:hiddenFill>
             </a:ext>
             <a:ext uri="{91240B29-F687-4f45-9708-019B960494DF}">
-              <a14:hiddenLine xmlns="" xmlns:a14="http://schemas.microsoft.com/office/drawing/2010/main" w="9525">
+              <a14:hiddenLine xmlns:a14="http://schemas.microsoft.com/office/drawing/2010/main" xmlns="" w="9525">
                 <a:solidFill>
                   <a:srgbClr val="000000"/>
                 </a:solidFill>
@@ -4712,14 +4712,14 @@
           </a:ln>
           <a:extLst>
             <a:ext uri="{909E8E84-426E-40dd-AFC4-6F175D3DCCD1}">
-              <a14:hiddenFill xmlns="" xmlns:a14="http://schemas.microsoft.com/office/drawing/2010/main">
+              <a14:hiddenFill xmlns:a14="http://schemas.microsoft.com/office/drawing/2010/main" xmlns="">
                 <a:solidFill>
                   <a:srgbClr val="FFFFFF"/>
                 </a:solidFill>
               </a14:hiddenFill>
             </a:ext>
             <a:ext uri="{91240B29-F687-4f45-9708-019B960494DF}">
-              <a14:hiddenLine xmlns="" xmlns:a14="http://schemas.microsoft.com/office/drawing/2010/main" w="9525">
+              <a14:hiddenLine xmlns:a14="http://schemas.microsoft.com/office/drawing/2010/main" xmlns="" w="9525">
                 <a:solidFill>
                   <a:srgbClr val="000000"/>
                 </a:solidFill>
@@ -4938,7 +4938,7 @@
           <a:effectLst/>
           <a:extLst>
             <a:ext uri="{909E8E84-426E-40dd-AFC4-6F175D3DCCD1}">
-              <a14:hiddenFill xmlns:a14="http://schemas.microsoft.com/office/drawing/2010/main" xmlns="">
+              <a14:hiddenFill xmlns="" xmlns:a14="http://schemas.microsoft.com/office/drawing/2010/main">
                 <a:blipFill dpi="0" rotWithShape="0">
                   <a:blip/>
                   <a:srcRect/>
@@ -4949,7 +4949,7 @@
               </a14:hiddenFill>
             </a:ext>
             <a:ext uri="{91240B29-F687-4f45-9708-019B960494DF}">
-              <a14:hiddenLine xmlns:a14="http://schemas.microsoft.com/office/drawing/2010/main" xmlns="" w="9525" cap="flat">
+              <a14:hiddenLine xmlns="" xmlns:a14="http://schemas.microsoft.com/office/drawing/2010/main" w="9525" cap="flat">
                 <a:solidFill>
                   <a:srgbClr val="3465A4"/>
                 </a:solidFill>
@@ -4959,7 +4959,7 @@
               </a14:hiddenLine>
             </a:ext>
             <a:ext uri="{AF507438-7753-43e0-B8FC-AC1667EBCBE1}">
-              <a14:hiddenEffects xmlns:a14="http://schemas.microsoft.com/office/drawing/2010/main" xmlns="">
+              <a14:hiddenEffects xmlns="" xmlns:a14="http://schemas.microsoft.com/office/drawing/2010/main">
                 <a:effectLst>
                   <a:outerShdw blurRad="63500" dist="38099" dir="2700000" algn="ctr" rotWithShape="0">
                     <a:srgbClr val="000000">
@@ -5057,14 +5057,14 @@
           <a:effectLst/>
           <a:extLst>
             <a:ext uri="{909E8E84-426E-40dd-AFC4-6F175D3DCCD1}">
-              <a14:hiddenFill xmlns:a14="http://schemas.microsoft.com/office/drawing/2010/main" xmlns="">
+              <a14:hiddenFill xmlns="" xmlns:a14="http://schemas.microsoft.com/office/drawing/2010/main">
                 <a:solidFill>
                   <a:srgbClr val="FFFFFF"/>
                 </a:solidFill>
               </a14:hiddenFill>
             </a:ext>
             <a:ext uri="{91240B29-F687-4f45-9708-019B960494DF}">
-              <a14:hiddenLine xmlns:a14="http://schemas.microsoft.com/office/drawing/2010/main" xmlns="" w="9525" cap="flat">
+              <a14:hiddenLine xmlns="" xmlns:a14="http://schemas.microsoft.com/office/drawing/2010/main" w="9525" cap="flat">
                 <a:solidFill>
                   <a:srgbClr val="000000"/>
                 </a:solidFill>
@@ -5074,7 +5074,7 @@
               </a14:hiddenLine>
             </a:ext>
             <a:ext uri="{AF507438-7753-43e0-B8FC-AC1667EBCBE1}">
-              <a14:hiddenEffects xmlns:a14="http://schemas.microsoft.com/office/drawing/2010/main" xmlns="">
+              <a14:hiddenEffects xmlns="" xmlns:a14="http://schemas.microsoft.com/office/drawing/2010/main">
                 <a:effectLst>
                   <a:outerShdw blurRad="63500" dist="38099" dir="2700000" algn="ctr" rotWithShape="0">
                     <a:srgbClr val="000000">
@@ -5488,7 +5488,7 @@
           <a:effectLst/>
           <a:extLst>
             <a:ext uri="{909E8E84-426E-40dd-AFC4-6F175D3DCCD1}">
-              <a14:hiddenFill xmlns:a14="http://schemas.microsoft.com/office/drawing/2010/main" xmlns="">
+              <a14:hiddenFill xmlns="" xmlns:a14="http://schemas.microsoft.com/office/drawing/2010/main">
                 <a:blipFill dpi="0" rotWithShape="0">
                   <a:blip/>
                   <a:srcRect/>
@@ -5499,7 +5499,7 @@
               </a14:hiddenFill>
             </a:ext>
             <a:ext uri="{91240B29-F687-4f45-9708-019B960494DF}">
-              <a14:hiddenLine xmlns:a14="http://schemas.microsoft.com/office/drawing/2010/main" xmlns="" w="9525" cap="flat">
+              <a14:hiddenLine xmlns="" xmlns:a14="http://schemas.microsoft.com/office/drawing/2010/main" w="9525" cap="flat">
                 <a:solidFill>
                   <a:srgbClr val="3465A4"/>
                 </a:solidFill>
@@ -5509,7 +5509,7 @@
               </a14:hiddenLine>
             </a:ext>
             <a:ext uri="{AF507438-7753-43e0-B8FC-AC1667EBCBE1}">
-              <a14:hiddenEffects xmlns:a14="http://schemas.microsoft.com/office/drawing/2010/main" xmlns="">
+              <a14:hiddenEffects xmlns="" xmlns:a14="http://schemas.microsoft.com/office/drawing/2010/main">
                 <a:effectLst>
                   <a:outerShdw blurRad="63500" dist="38099" dir="2700000" algn="ctr" rotWithShape="0">
                     <a:srgbClr val="000000">
@@ -5564,7 +5564,7 @@
           <a:effectLst/>
           <a:extLst>
             <a:ext uri="{909E8E84-426E-40dd-AFC4-6F175D3DCCD1}">
-              <a14:hiddenFill xmlns:a14="http://schemas.microsoft.com/office/drawing/2010/main" xmlns="">
+              <a14:hiddenFill xmlns="" xmlns:a14="http://schemas.microsoft.com/office/drawing/2010/main">
                 <a:blipFill dpi="0" rotWithShape="0">
                   <a:blip/>
                   <a:srcRect/>
@@ -5575,7 +5575,7 @@
               </a14:hiddenFill>
             </a:ext>
             <a:ext uri="{91240B29-F687-4f45-9708-019B960494DF}">
-              <a14:hiddenLine xmlns:a14="http://schemas.microsoft.com/office/drawing/2010/main" xmlns="" w="9525" cap="flat">
+              <a14:hiddenLine xmlns="" xmlns:a14="http://schemas.microsoft.com/office/drawing/2010/main" w="9525" cap="flat">
                 <a:solidFill>
                   <a:srgbClr val="3465A4"/>
                 </a:solidFill>
@@ -5585,7 +5585,7 @@
               </a14:hiddenLine>
             </a:ext>
             <a:ext uri="{AF507438-7753-43e0-B8FC-AC1667EBCBE1}">
-              <a14:hiddenEffects xmlns:a14="http://schemas.microsoft.com/office/drawing/2010/main" xmlns="">
+              <a14:hiddenEffects xmlns="" xmlns:a14="http://schemas.microsoft.com/office/drawing/2010/main">
                 <a:effectLst>
                   <a:outerShdw blurRad="63500" dist="38099" dir="2700000" algn="ctr" rotWithShape="0">
                     <a:srgbClr val="000000">
@@ -5627,14 +5627,14 @@
           <a:effectLst/>
           <a:extLst>
             <a:ext uri="{909E8E84-426E-40dd-AFC4-6F175D3DCCD1}">
-              <a14:hiddenFill xmlns:a14="http://schemas.microsoft.com/office/drawing/2010/main" xmlns="">
+              <a14:hiddenFill xmlns="" xmlns:a14="http://schemas.microsoft.com/office/drawing/2010/main">
                 <a:solidFill>
                   <a:srgbClr val="FFFFFF"/>
                 </a:solidFill>
               </a14:hiddenFill>
             </a:ext>
             <a:ext uri="{91240B29-F687-4f45-9708-019B960494DF}">
-              <a14:hiddenLine xmlns:a14="http://schemas.microsoft.com/office/drawing/2010/main" xmlns="" w="9525" cap="flat">
+              <a14:hiddenLine xmlns="" xmlns:a14="http://schemas.microsoft.com/office/drawing/2010/main" w="9525" cap="flat">
                 <a:solidFill>
                   <a:srgbClr val="000000"/>
                 </a:solidFill>
@@ -5644,7 +5644,7 @@
               </a14:hiddenLine>
             </a:ext>
             <a:ext uri="{AF507438-7753-43e0-B8FC-AC1667EBCBE1}">
-              <a14:hiddenEffects xmlns:a14="http://schemas.microsoft.com/office/drawing/2010/main" xmlns="">
+              <a14:hiddenEffects xmlns="" xmlns:a14="http://schemas.microsoft.com/office/drawing/2010/main">
                 <a:effectLst>
                   <a:outerShdw blurRad="63500" dist="38099" dir="2700000" algn="ctr" rotWithShape="0">
                     <a:srgbClr val="000000">
@@ -5905,14 +5905,14 @@
           <a:effectLst/>
           <a:extLst>
             <a:ext uri="{909E8E84-426E-40dd-AFC4-6F175D3DCCD1}">
-              <a14:hiddenFill xmlns:a14="http://schemas.microsoft.com/office/drawing/2010/main" xmlns="">
+              <a14:hiddenFill xmlns="" xmlns:a14="http://schemas.microsoft.com/office/drawing/2010/main">
                 <a:solidFill>
                   <a:srgbClr val="FFFFFF"/>
                 </a:solidFill>
               </a14:hiddenFill>
             </a:ext>
             <a:ext uri="{91240B29-F687-4f45-9708-019B960494DF}">
-              <a14:hiddenLine xmlns:a14="http://schemas.microsoft.com/office/drawing/2010/main" xmlns="" w="9525" cap="flat">
+              <a14:hiddenLine xmlns="" xmlns:a14="http://schemas.microsoft.com/office/drawing/2010/main" w="9525" cap="flat">
                 <a:solidFill>
                   <a:srgbClr val="000000"/>
                 </a:solidFill>
@@ -5922,7 +5922,7 @@
               </a14:hiddenLine>
             </a:ext>
             <a:ext uri="{AF507438-7753-43e0-B8FC-AC1667EBCBE1}">
-              <a14:hiddenEffects xmlns:a14="http://schemas.microsoft.com/office/drawing/2010/main" xmlns="">
+              <a14:hiddenEffects xmlns="" xmlns:a14="http://schemas.microsoft.com/office/drawing/2010/main">
                 <a:effectLst>
                   <a:outerShdw blurRad="63500" dist="38099" dir="2700000" algn="ctr" rotWithShape="0">
                     <a:srgbClr val="000000">
@@ -6229,7 +6229,7 @@
           <a:effectLst/>
           <a:extLst>
             <a:ext uri="{909E8E84-426E-40dd-AFC4-6F175D3DCCD1}">
-              <a14:hiddenFill xmlns="" xmlns:a14="http://schemas.microsoft.com/office/drawing/2010/main">
+              <a14:hiddenFill xmlns:a14="http://schemas.microsoft.com/office/drawing/2010/main" xmlns="">
                 <a:blipFill dpi="0" rotWithShape="0">
                   <a:blip/>
                   <a:srcRect/>
@@ -6240,7 +6240,7 @@
               </a14:hiddenFill>
             </a:ext>
             <a:ext uri="{91240B29-F687-4f45-9708-019B960494DF}">
-              <a14:hiddenLine xmlns="" xmlns:a14="http://schemas.microsoft.com/office/drawing/2010/main" w="9525" cap="flat">
+              <a14:hiddenLine xmlns:a14="http://schemas.microsoft.com/office/drawing/2010/main" xmlns="" w="9525" cap="flat">
                 <a:solidFill>
                   <a:srgbClr val="3465A4"/>
                 </a:solidFill>
@@ -6250,7 +6250,7 @@
               </a14:hiddenLine>
             </a:ext>
             <a:ext uri="{AF507438-7753-43e0-B8FC-AC1667EBCBE1}">
-              <a14:hiddenEffects xmlns="" xmlns:a14="http://schemas.microsoft.com/office/drawing/2010/main">
+              <a14:hiddenEffects xmlns:a14="http://schemas.microsoft.com/office/drawing/2010/main" xmlns="">
                 <a:effectLst>
                   <a:outerShdw blurRad="63500" dist="38099" dir="2700000" algn="ctr" rotWithShape="0">
                     <a:srgbClr val="000000">
@@ -6299,7 +6299,7 @@
           <a:effectLst/>
           <a:extLst>
             <a:ext uri="{909E8E84-426E-40dd-AFC4-6F175D3DCCD1}">
-              <a14:hiddenFill xmlns="" xmlns:a14="http://schemas.microsoft.com/office/drawing/2010/main">
+              <a14:hiddenFill xmlns:a14="http://schemas.microsoft.com/office/drawing/2010/main" xmlns="">
                 <a:blipFill dpi="0" rotWithShape="0">
                   <a:blip/>
                   <a:srcRect/>
@@ -6310,7 +6310,7 @@
               </a14:hiddenFill>
             </a:ext>
             <a:ext uri="{91240B29-F687-4f45-9708-019B960494DF}">
-              <a14:hiddenLine xmlns="" xmlns:a14="http://schemas.microsoft.com/office/drawing/2010/main" w="9525" cap="flat">
+              <a14:hiddenLine xmlns:a14="http://schemas.microsoft.com/office/drawing/2010/main" xmlns="" w="9525" cap="flat">
                 <a:solidFill>
                   <a:srgbClr val="3465A4"/>
                 </a:solidFill>
@@ -6320,7 +6320,7 @@
               </a14:hiddenLine>
             </a:ext>
             <a:ext uri="{AF507438-7753-43e0-B8FC-AC1667EBCBE1}">
-              <a14:hiddenEffects xmlns="" xmlns:a14="http://schemas.microsoft.com/office/drawing/2010/main">
+              <a14:hiddenEffects xmlns:a14="http://schemas.microsoft.com/office/drawing/2010/main" xmlns="">
                 <a:effectLst>
                   <a:outerShdw blurRad="63500" dist="38099" dir="2700000" algn="ctr" rotWithShape="0">
                     <a:srgbClr val="000000">
@@ -6356,14 +6356,14 @@
           <a:effectLst/>
           <a:extLst>
             <a:ext uri="{909E8E84-426E-40dd-AFC4-6F175D3DCCD1}">
-              <a14:hiddenFill xmlns="" xmlns:a14="http://schemas.microsoft.com/office/drawing/2010/main">
+              <a14:hiddenFill xmlns:a14="http://schemas.microsoft.com/office/drawing/2010/main" xmlns="">
                 <a:solidFill>
                   <a:srgbClr val="FFFFFF"/>
                 </a:solidFill>
               </a14:hiddenFill>
             </a:ext>
             <a:ext uri="{91240B29-F687-4f45-9708-019B960494DF}">
-              <a14:hiddenLine xmlns="" xmlns:a14="http://schemas.microsoft.com/office/drawing/2010/main" w="9525" cap="flat">
+              <a14:hiddenLine xmlns:a14="http://schemas.microsoft.com/office/drawing/2010/main" xmlns="" w="9525" cap="flat">
                 <a:solidFill>
                   <a:srgbClr val="000000"/>
                 </a:solidFill>
@@ -6373,7 +6373,7 @@
               </a14:hiddenLine>
             </a:ext>
             <a:ext uri="{AF507438-7753-43e0-B8FC-AC1667EBCBE1}">
-              <a14:hiddenEffects xmlns="" xmlns:a14="http://schemas.microsoft.com/office/drawing/2010/main">
+              <a14:hiddenEffects xmlns:a14="http://schemas.microsoft.com/office/drawing/2010/main" xmlns="">
                 <a:effectLst>
                   <a:outerShdw blurRad="63500" dist="38099" dir="2700000" algn="ctr" rotWithShape="0">
                     <a:srgbClr val="000000">
@@ -6774,7 +6774,7 @@
           <a:effectLst/>
           <a:extLst>
             <a:ext uri="{909E8E84-426E-40dd-AFC4-6F175D3DCCD1}">
-              <a14:hiddenFill xmlns="" xmlns:a14="http://schemas.microsoft.com/office/drawing/2010/main">
+              <a14:hiddenFill xmlns:a14="http://schemas.microsoft.com/office/drawing/2010/main" xmlns="">
                 <a:blipFill dpi="0" rotWithShape="0">
                   <a:blip/>
                   <a:srcRect/>
@@ -6785,7 +6785,7 @@
               </a14:hiddenFill>
             </a:ext>
             <a:ext uri="{91240B29-F687-4f45-9708-019B960494DF}">
-              <a14:hiddenLine xmlns="" xmlns:a14="http://schemas.microsoft.com/office/drawing/2010/main" w="9525" cap="flat">
+              <a14:hiddenLine xmlns:a14="http://schemas.microsoft.com/office/drawing/2010/main" xmlns="" w="9525" cap="flat">
                 <a:solidFill>
                   <a:srgbClr val="3465A4"/>
                 </a:solidFill>
@@ -6795,7 +6795,7 @@
               </a14:hiddenLine>
             </a:ext>
             <a:ext uri="{AF507438-7753-43e0-B8FC-AC1667EBCBE1}">
-              <a14:hiddenEffects xmlns="" xmlns:a14="http://schemas.microsoft.com/office/drawing/2010/main">
+              <a14:hiddenEffects xmlns:a14="http://schemas.microsoft.com/office/drawing/2010/main" xmlns="">
                 <a:effectLst>
                   <a:outerShdw blurRad="63500" dist="38099" dir="2700000" algn="ctr" rotWithShape="0">
                     <a:srgbClr val="000000">
@@ -6831,14 +6831,14 @@
           <a:effectLst/>
           <a:extLst>
             <a:ext uri="{909E8E84-426E-40dd-AFC4-6F175D3DCCD1}">
-              <a14:hiddenFill xmlns="" xmlns:a14="http://schemas.microsoft.com/office/drawing/2010/main">
+              <a14:hiddenFill xmlns:a14="http://schemas.microsoft.com/office/drawing/2010/main" xmlns="">
                 <a:solidFill>
                   <a:srgbClr val="FFFFFF"/>
                 </a:solidFill>
               </a14:hiddenFill>
             </a:ext>
             <a:ext uri="{91240B29-F687-4f45-9708-019B960494DF}">
-              <a14:hiddenLine xmlns="" xmlns:a14="http://schemas.microsoft.com/office/drawing/2010/main" w="9525" cap="flat">
+              <a14:hiddenLine xmlns:a14="http://schemas.microsoft.com/office/drawing/2010/main" xmlns="" w="9525" cap="flat">
                 <a:solidFill>
                   <a:srgbClr val="000000"/>
                 </a:solidFill>
@@ -6848,7 +6848,7 @@
               </a14:hiddenLine>
             </a:ext>
             <a:ext uri="{AF507438-7753-43e0-B8FC-AC1667EBCBE1}">
-              <a14:hiddenEffects xmlns="" xmlns:a14="http://schemas.microsoft.com/office/drawing/2010/main">
+              <a14:hiddenEffects xmlns:a14="http://schemas.microsoft.com/office/drawing/2010/main" xmlns="">
                 <a:effectLst>
                   <a:outerShdw blurRad="63500" dist="38099" dir="2700000" algn="ctr" rotWithShape="0">
                     <a:srgbClr val="000000">
@@ -7131,14 +7131,14 @@
           <a:effectLst/>
           <a:extLst>
             <a:ext uri="{909E8E84-426E-40dd-AFC4-6F175D3DCCD1}">
-              <a14:hiddenFill xmlns="" xmlns:a14="http://schemas.microsoft.com/office/drawing/2010/main">
+              <a14:hiddenFill xmlns:a14="http://schemas.microsoft.com/office/drawing/2010/main" xmlns="">
                 <a:solidFill>
                   <a:srgbClr val="FFFFFF"/>
                 </a:solidFill>
               </a14:hiddenFill>
             </a:ext>
             <a:ext uri="{91240B29-F687-4f45-9708-019B960494DF}">
-              <a14:hiddenLine xmlns="" xmlns:a14="http://schemas.microsoft.com/office/drawing/2010/main" w="9525" cap="flat">
+              <a14:hiddenLine xmlns:a14="http://schemas.microsoft.com/office/drawing/2010/main" xmlns="" w="9525" cap="flat">
                 <a:solidFill>
                   <a:srgbClr val="3465A4"/>
                 </a:solidFill>
@@ -7148,7 +7148,7 @@
               </a14:hiddenLine>
             </a:ext>
             <a:ext uri="{AF507438-7753-43e0-B8FC-AC1667EBCBE1}">
-              <a14:hiddenEffects xmlns="" xmlns:a14="http://schemas.microsoft.com/office/drawing/2010/main">
+              <a14:hiddenEffects xmlns:a14="http://schemas.microsoft.com/office/drawing/2010/main" xmlns="">
                 <a:effectLst>
                   <a:outerShdw blurRad="63500" dist="38099" dir="2700000" algn="ctr" rotWithShape="0">
                     <a:srgbClr val="000000">
@@ -7384,9 +7384,14 @@
           </a:lstStyle>
           <a:p>
             <a:r>
-              <a:rPr lang="en-CA"/>
-              <a:t>http://rseqc.sourceforge.net/</a:t>
-            </a:r>
+              <a:rPr lang="en-CA" dirty="0"/>
+              <a:t>http://</a:t>
+            </a:r>
+            <a:r>
+              <a:rPr lang="en-CA" dirty="0" err="1"/>
+              <a:t>rseqc.sourceforge.net</a:t>
+            </a:r>
+            <a:endParaRPr lang="en-CA" dirty="0"/>
           </a:p>
         </p:txBody>
       </p:sp>
@@ -7505,14 +7510,14 @@
           </a:ln>
           <a:extLst>
             <a:ext uri="{909E8E84-426E-40dd-AFC4-6F175D3DCCD1}">
-              <a14:hiddenFill xmlns="" xmlns:a14="http://schemas.microsoft.com/office/drawing/2010/main">
+              <a14:hiddenFill xmlns:a14="http://schemas.microsoft.com/office/drawing/2010/main" xmlns="">
                 <a:solidFill>
                   <a:srgbClr val="FFFFFF"/>
                 </a:solidFill>
               </a14:hiddenFill>
             </a:ext>
             <a:ext uri="{91240B29-F687-4f45-9708-019B960494DF}">
-              <a14:hiddenLine xmlns="" xmlns:a14="http://schemas.microsoft.com/office/drawing/2010/main" w="9525">
+              <a14:hiddenLine xmlns:a14="http://schemas.microsoft.com/office/drawing/2010/main" xmlns="" w="9525">
                 <a:solidFill>
                   <a:srgbClr val="000000"/>
                 </a:solidFill>
@@ -7997,14 +8002,14 @@
           </a:ln>
           <a:extLst>
             <a:ext uri="{909E8E84-426E-40dd-AFC4-6F175D3DCCD1}">
-              <a14:hiddenFill xmlns="" xmlns:a14="http://schemas.microsoft.com/office/drawing/2010/main">
+              <a14:hiddenFill xmlns:a14="http://schemas.microsoft.com/office/drawing/2010/main" xmlns="">
                 <a:solidFill>
                   <a:srgbClr val="FFFFFF"/>
                 </a:solidFill>
               </a14:hiddenFill>
             </a:ext>
             <a:ext uri="{91240B29-F687-4f45-9708-019B960494DF}">
-              <a14:hiddenLine xmlns="" xmlns:a14="http://schemas.microsoft.com/office/drawing/2010/main" w="9525">
+              <a14:hiddenLine xmlns:a14="http://schemas.microsoft.com/office/drawing/2010/main" xmlns="" w="9525">
                 <a:solidFill>
                   <a:srgbClr val="000000"/>
                 </a:solidFill>
@@ -8193,14 +8198,14 @@
           </a:ln>
           <a:extLst>
             <a:ext uri="{909E8E84-426E-40dd-AFC4-6F175D3DCCD1}">
-              <a14:hiddenFill xmlns="" xmlns:a14="http://schemas.microsoft.com/office/drawing/2010/main">
+              <a14:hiddenFill xmlns:a14="http://schemas.microsoft.com/office/drawing/2010/main" xmlns="">
                 <a:solidFill>
                   <a:srgbClr val="FFFFFF"/>
                 </a:solidFill>
               </a14:hiddenFill>
             </a:ext>
             <a:ext uri="{91240B29-F687-4f45-9708-019B960494DF}">
-              <a14:hiddenLine xmlns="" xmlns:a14="http://schemas.microsoft.com/office/drawing/2010/main" w="9525">
+              <a14:hiddenLine xmlns:a14="http://schemas.microsoft.com/office/drawing/2010/main" xmlns="" w="9525">
                 <a:solidFill>
                   <a:srgbClr val="000000"/>
                 </a:solidFill>
@@ -8389,14 +8394,14 @@
           </a:ln>
           <a:extLst>
             <a:ext uri="{909E8E84-426E-40dd-AFC4-6F175D3DCCD1}">
-              <a14:hiddenFill xmlns="" xmlns:a14="http://schemas.microsoft.com/office/drawing/2010/main">
+              <a14:hiddenFill xmlns:a14="http://schemas.microsoft.com/office/drawing/2010/main" xmlns="">
                 <a:solidFill>
                   <a:srgbClr val="FFFFFF"/>
                 </a:solidFill>
               </a14:hiddenFill>
             </a:ext>
             <a:ext uri="{91240B29-F687-4f45-9708-019B960494DF}">
-              <a14:hiddenLine xmlns="" xmlns:a14="http://schemas.microsoft.com/office/drawing/2010/main" w="9525">
+              <a14:hiddenLine xmlns:a14="http://schemas.microsoft.com/office/drawing/2010/main" xmlns="" w="9525">
                 <a:solidFill>
                   <a:srgbClr val="000000"/>
                 </a:solidFill>
@@ -8550,14 +8555,14 @@
           </a:ln>
           <a:extLst>
             <a:ext uri="{909E8E84-426E-40dd-AFC4-6F175D3DCCD1}">
-              <a14:hiddenFill xmlns="" xmlns:a14="http://schemas.microsoft.com/office/drawing/2010/main">
+              <a14:hiddenFill xmlns:a14="http://schemas.microsoft.com/office/drawing/2010/main" xmlns="">
                 <a:solidFill>
                   <a:srgbClr val="FFFFFF"/>
                 </a:solidFill>
               </a14:hiddenFill>
             </a:ext>
             <a:ext uri="{91240B29-F687-4f45-9708-019B960494DF}">
-              <a14:hiddenLine xmlns="" xmlns:a14="http://schemas.microsoft.com/office/drawing/2010/main" w="9525">
+              <a14:hiddenLine xmlns:a14="http://schemas.microsoft.com/office/drawing/2010/main" xmlns="" w="9525">
                 <a:solidFill>
                   <a:srgbClr val="000000"/>
                 </a:solidFill>
@@ -8746,14 +8751,14 @@
           </a:ln>
           <a:extLst>
             <a:ext uri="{909E8E84-426E-40dd-AFC4-6F175D3DCCD1}">
-              <a14:hiddenFill xmlns="" xmlns:a14="http://schemas.microsoft.com/office/drawing/2010/main">
+              <a14:hiddenFill xmlns:a14="http://schemas.microsoft.com/office/drawing/2010/main" xmlns="">
                 <a:solidFill>
                   <a:srgbClr val="FFFFFF"/>
                 </a:solidFill>
               </a14:hiddenFill>
             </a:ext>
             <a:ext uri="{91240B29-F687-4f45-9708-019B960494DF}">
-              <a14:hiddenLine xmlns="" xmlns:a14="http://schemas.microsoft.com/office/drawing/2010/main" w="9525">
+              <a14:hiddenLine xmlns:a14="http://schemas.microsoft.com/office/drawing/2010/main" xmlns="" w="9525">
                 <a:solidFill>
                   <a:srgbClr val="000000"/>
                 </a:solidFill>
@@ -8984,14 +8989,14 @@
           </a:ln>
           <a:extLst>
             <a:ext uri="{909E8E84-426E-40dd-AFC4-6F175D3DCCD1}">
-              <a14:hiddenFill xmlns="" xmlns:a14="http://schemas.microsoft.com/office/drawing/2010/main">
+              <a14:hiddenFill xmlns:a14="http://schemas.microsoft.com/office/drawing/2010/main" xmlns="">
                 <a:solidFill>
                   <a:srgbClr val="FFFFFF"/>
                 </a:solidFill>
               </a14:hiddenFill>
             </a:ext>
             <a:ext uri="{91240B29-F687-4f45-9708-019B960494DF}">
-              <a14:hiddenLine xmlns="" xmlns:a14="http://schemas.microsoft.com/office/drawing/2010/main" w="9525">
+              <a14:hiddenLine xmlns:a14="http://schemas.microsoft.com/office/drawing/2010/main" xmlns="" w="9525">
                 <a:solidFill>
                   <a:srgbClr val="000000"/>
                 </a:solidFill>
@@ -9180,14 +9185,14 @@
           </a:ln>
           <a:extLst>
             <a:ext uri="{909E8E84-426E-40dd-AFC4-6F175D3DCCD1}">
-              <a14:hiddenFill xmlns="" xmlns:a14="http://schemas.microsoft.com/office/drawing/2010/main">
+              <a14:hiddenFill xmlns:a14="http://schemas.microsoft.com/office/drawing/2010/main" xmlns="">
                 <a:solidFill>
                   <a:srgbClr val="FFFFFF"/>
                 </a:solidFill>
               </a14:hiddenFill>
             </a:ext>
             <a:ext uri="{91240B29-F687-4f45-9708-019B960494DF}">
-              <a14:hiddenLine xmlns="" xmlns:a14="http://schemas.microsoft.com/office/drawing/2010/main" w="9525">
+              <a14:hiddenLine xmlns:a14="http://schemas.microsoft.com/office/drawing/2010/main" xmlns="" w="9525">
                 <a:solidFill>
                   <a:srgbClr val="000000"/>
                 </a:solidFill>
@@ -9376,14 +9381,14 @@
           </a:ln>
           <a:extLst>
             <a:ext uri="{909E8E84-426E-40dd-AFC4-6F175D3DCCD1}">
-              <a14:hiddenFill xmlns="" xmlns:a14="http://schemas.microsoft.com/office/drawing/2010/main">
+              <a14:hiddenFill xmlns:a14="http://schemas.microsoft.com/office/drawing/2010/main" xmlns="">
                 <a:solidFill>
                   <a:srgbClr val="FFFFFF"/>
                 </a:solidFill>
               </a14:hiddenFill>
             </a:ext>
             <a:ext uri="{91240B29-F687-4f45-9708-019B960494DF}">
-              <a14:hiddenLine xmlns="" xmlns:a14="http://schemas.microsoft.com/office/drawing/2010/main" w="9525">
+              <a14:hiddenLine xmlns:a14="http://schemas.microsoft.com/office/drawing/2010/main" xmlns="" w="9525">
                 <a:solidFill>
                   <a:srgbClr val="000000"/>
                 </a:solidFill>
@@ -9579,14 +9584,14 @@
           </a:ln>
           <a:extLst>
             <a:ext uri="{909E8E84-426E-40dd-AFC4-6F175D3DCCD1}">
-              <a14:hiddenFill xmlns="" xmlns:a14="http://schemas.microsoft.com/office/drawing/2010/main">
+              <a14:hiddenFill xmlns:a14="http://schemas.microsoft.com/office/drawing/2010/main" xmlns="">
                 <a:solidFill>
                   <a:srgbClr val="FFFFFF"/>
                 </a:solidFill>
               </a14:hiddenFill>
             </a:ext>
             <a:ext uri="{91240B29-F687-4f45-9708-019B960494DF}">
-              <a14:hiddenLine xmlns="" xmlns:a14="http://schemas.microsoft.com/office/drawing/2010/main" w="9525">
+              <a14:hiddenLine xmlns:a14="http://schemas.microsoft.com/office/drawing/2010/main" xmlns="" w="9525">
                 <a:solidFill>
                   <a:srgbClr val="000000"/>
                 </a:solidFill>
@@ -9775,14 +9780,14 @@
           </a:ln>
           <a:extLst>
             <a:ext uri="{909E8E84-426E-40dd-AFC4-6F175D3DCCD1}">
-              <a14:hiddenFill xmlns="" xmlns:a14="http://schemas.microsoft.com/office/drawing/2010/main">
+              <a14:hiddenFill xmlns:a14="http://schemas.microsoft.com/office/drawing/2010/main" xmlns="">
                 <a:solidFill>
                   <a:srgbClr val="FFFFFF"/>
                 </a:solidFill>
               </a14:hiddenFill>
             </a:ext>
             <a:ext uri="{91240B29-F687-4f45-9708-019B960494DF}">
-              <a14:hiddenLine xmlns="" xmlns:a14="http://schemas.microsoft.com/office/drawing/2010/main" w="9525">
+              <a14:hiddenLine xmlns:a14="http://schemas.microsoft.com/office/drawing/2010/main" xmlns="" w="9525">
                 <a:solidFill>
                   <a:srgbClr val="000000"/>
                 </a:solidFill>
@@ -9978,14 +9983,14 @@
           </a:ln>
           <a:extLst>
             <a:ext uri="{909E8E84-426E-40dd-AFC4-6F175D3DCCD1}">
-              <a14:hiddenFill xmlns="" xmlns:a14="http://schemas.microsoft.com/office/drawing/2010/main">
+              <a14:hiddenFill xmlns:a14="http://schemas.microsoft.com/office/drawing/2010/main" xmlns="">
                 <a:solidFill>
                   <a:srgbClr val="FFFFFF"/>
                 </a:solidFill>
               </a14:hiddenFill>
             </a:ext>
             <a:ext uri="{91240B29-F687-4f45-9708-019B960494DF}">
-              <a14:hiddenLine xmlns="" xmlns:a14="http://schemas.microsoft.com/office/drawing/2010/main" w="9525">
+              <a14:hiddenLine xmlns:a14="http://schemas.microsoft.com/office/drawing/2010/main" xmlns="" w="9525">
                 <a:solidFill>
                   <a:srgbClr val="000000"/>
                 </a:solidFill>
@@ -10181,14 +10186,14 @@
           </a:ln>
           <a:extLst>
             <a:ext uri="{909E8E84-426E-40dd-AFC4-6F175D3DCCD1}">
-              <a14:hiddenFill xmlns="" xmlns:a14="http://schemas.microsoft.com/office/drawing/2010/main">
+              <a14:hiddenFill xmlns:a14="http://schemas.microsoft.com/office/drawing/2010/main" xmlns="">
                 <a:solidFill>
                   <a:srgbClr val="FFFFFF"/>
                 </a:solidFill>
               </a14:hiddenFill>
             </a:ext>
             <a:ext uri="{91240B29-F687-4f45-9708-019B960494DF}">
-              <a14:hiddenLine xmlns="" xmlns:a14="http://schemas.microsoft.com/office/drawing/2010/main" w="9525">
+              <a14:hiddenLine xmlns:a14="http://schemas.microsoft.com/office/drawing/2010/main" xmlns="" w="9525">
                 <a:solidFill>
                   <a:srgbClr val="000000"/>
                 </a:solidFill>
@@ -10675,7 +10680,7 @@
           <a:effectLst/>
           <a:extLst>
             <a:ext uri="{909E8E84-426E-40dd-AFC4-6F175D3DCCD1}">
-              <a14:hiddenFill xmlns="" xmlns:a14="http://schemas.microsoft.com/office/drawing/2010/main">
+              <a14:hiddenFill xmlns:a14="http://schemas.microsoft.com/office/drawing/2010/main" xmlns="">
                 <a:blipFill dpi="0" rotWithShape="0">
                   <a:blip/>
                   <a:srcRect/>
@@ -10686,7 +10691,7 @@
               </a14:hiddenFill>
             </a:ext>
             <a:ext uri="{91240B29-F687-4f45-9708-019B960494DF}">
-              <a14:hiddenLine xmlns="" xmlns:a14="http://schemas.microsoft.com/office/drawing/2010/main" w="9525" cap="flat">
+              <a14:hiddenLine xmlns:a14="http://schemas.microsoft.com/office/drawing/2010/main" xmlns="" w="9525" cap="flat">
                 <a:solidFill>
                   <a:srgbClr val="3465A4"/>
                 </a:solidFill>
@@ -10696,7 +10701,7 @@
               </a14:hiddenLine>
             </a:ext>
             <a:ext uri="{AF507438-7753-43e0-B8FC-AC1667EBCBE1}">
-              <a14:hiddenEffects xmlns="" xmlns:a14="http://schemas.microsoft.com/office/drawing/2010/main">
+              <a14:hiddenEffects xmlns:a14="http://schemas.microsoft.com/office/drawing/2010/main" xmlns="">
                 <a:effectLst>
                   <a:outerShdw blurRad="63500" dist="38099" dir="2700000" algn="ctr" rotWithShape="0">
                     <a:srgbClr val="000000">
@@ -10745,7 +10750,7 @@
           <a:effectLst/>
           <a:extLst>
             <a:ext uri="{909E8E84-426E-40dd-AFC4-6F175D3DCCD1}">
-              <a14:hiddenFill xmlns="" xmlns:a14="http://schemas.microsoft.com/office/drawing/2010/main">
+              <a14:hiddenFill xmlns:a14="http://schemas.microsoft.com/office/drawing/2010/main" xmlns="">
                 <a:blipFill dpi="0" rotWithShape="0">
                   <a:blip/>
                   <a:srcRect/>
@@ -10756,7 +10761,7 @@
               </a14:hiddenFill>
             </a:ext>
             <a:ext uri="{91240B29-F687-4f45-9708-019B960494DF}">
-              <a14:hiddenLine xmlns="" xmlns:a14="http://schemas.microsoft.com/office/drawing/2010/main" w="9525" cap="flat">
+              <a14:hiddenLine xmlns:a14="http://schemas.microsoft.com/office/drawing/2010/main" xmlns="" w="9525" cap="flat">
                 <a:solidFill>
                   <a:srgbClr val="3465A4"/>
                 </a:solidFill>
@@ -10766,7 +10771,7 @@
               </a14:hiddenLine>
             </a:ext>
             <a:ext uri="{AF507438-7753-43e0-B8FC-AC1667EBCBE1}">
-              <a14:hiddenEffects xmlns="" xmlns:a14="http://schemas.microsoft.com/office/drawing/2010/main">
+              <a14:hiddenEffects xmlns:a14="http://schemas.microsoft.com/office/drawing/2010/main" xmlns="">
                 <a:effectLst>
                   <a:outerShdw blurRad="63500" dist="38099" dir="2700000" algn="ctr" rotWithShape="0">
                     <a:srgbClr val="000000">
@@ -10807,12 +10812,12 @@
           <a:effectLst/>
           <a:extLst>
             <a:ext uri="{909E8E84-426E-40dd-AFC4-6F175D3DCCD1}">
-              <a14:hiddenFill xmlns="" xmlns:a14="http://schemas.microsoft.com/office/drawing/2010/main">
+              <a14:hiddenFill xmlns:a14="http://schemas.microsoft.com/office/drawing/2010/main" xmlns="">
                 <a:noFill/>
               </a14:hiddenFill>
             </a:ext>
             <a:ext uri="{AF507438-7753-43e0-B8FC-AC1667EBCBE1}">
-              <a14:hiddenEffects xmlns="" xmlns:a14="http://schemas.microsoft.com/office/drawing/2010/main">
+              <a14:hiddenEffects xmlns:a14="http://schemas.microsoft.com/office/drawing/2010/main" xmlns="">
                 <a:effectLst>
                   <a:outerShdw blurRad="63500" dist="38099" dir="2700000" algn="ctr" rotWithShape="0">
                     <a:srgbClr val="000000">
@@ -10855,14 +10860,14 @@
           <a:effectLst/>
           <a:extLst>
             <a:ext uri="{909E8E84-426E-40dd-AFC4-6F175D3DCCD1}">
-              <a14:hiddenFill xmlns="" xmlns:a14="http://schemas.microsoft.com/office/drawing/2010/main">
+              <a14:hiddenFill xmlns:a14="http://schemas.microsoft.com/office/drawing/2010/main" xmlns="">
                 <a:solidFill>
                   <a:srgbClr val="FFFFFF"/>
                 </a:solidFill>
               </a14:hiddenFill>
             </a:ext>
             <a:ext uri="{91240B29-F687-4f45-9708-019B960494DF}">
-              <a14:hiddenLine xmlns="" xmlns:a14="http://schemas.microsoft.com/office/drawing/2010/main" w="9525" cap="flat">
+              <a14:hiddenLine xmlns:a14="http://schemas.microsoft.com/office/drawing/2010/main" xmlns="" w="9525" cap="flat">
                 <a:solidFill>
                   <a:srgbClr val="000000"/>
                 </a:solidFill>
@@ -10872,7 +10877,7 @@
               </a14:hiddenLine>
             </a:ext>
             <a:ext uri="{AF507438-7753-43e0-B8FC-AC1667EBCBE1}">
-              <a14:hiddenEffects xmlns="" xmlns:a14="http://schemas.microsoft.com/office/drawing/2010/main">
+              <a14:hiddenEffects xmlns:a14="http://schemas.microsoft.com/office/drawing/2010/main" xmlns="">
                 <a:effectLst>
                   <a:outerShdw blurRad="63500" dist="38099" dir="2700000" algn="ctr" rotWithShape="0">
                     <a:srgbClr val="000000">
@@ -11188,7 +11193,7 @@
           <a:effectLst/>
           <a:extLst>
             <a:ext uri="{909E8E84-426E-40dd-AFC4-6F175D3DCCD1}">
-              <a14:hiddenFill xmlns="" xmlns:a14="http://schemas.microsoft.com/office/drawing/2010/main">
+              <a14:hiddenFill xmlns:a14="http://schemas.microsoft.com/office/drawing/2010/main" xmlns="">
                 <a:blipFill dpi="0" rotWithShape="0">
                   <a:blip/>
                   <a:srcRect/>
@@ -11199,7 +11204,7 @@
               </a14:hiddenFill>
             </a:ext>
             <a:ext uri="{91240B29-F687-4f45-9708-019B960494DF}">
-              <a14:hiddenLine xmlns="" xmlns:a14="http://schemas.microsoft.com/office/drawing/2010/main" w="9525" cap="flat">
+              <a14:hiddenLine xmlns:a14="http://schemas.microsoft.com/office/drawing/2010/main" xmlns="" w="9525" cap="flat">
                 <a:solidFill>
                   <a:srgbClr val="3465A4"/>
                 </a:solidFill>
@@ -11209,7 +11214,7 @@
               </a14:hiddenLine>
             </a:ext>
             <a:ext uri="{AF507438-7753-43e0-B8FC-AC1667EBCBE1}">
-              <a14:hiddenEffects xmlns="" xmlns:a14="http://schemas.microsoft.com/office/drawing/2010/main">
+              <a14:hiddenEffects xmlns:a14="http://schemas.microsoft.com/office/drawing/2010/main" xmlns="">
                 <a:effectLst>
                   <a:outerShdw blurRad="63500" dist="38099" dir="2700000" algn="ctr" rotWithShape="0">
                     <a:srgbClr val="000000">
@@ -11258,7 +11263,7 @@
           <a:effectLst/>
           <a:extLst>
             <a:ext uri="{909E8E84-426E-40dd-AFC4-6F175D3DCCD1}">
-              <a14:hiddenFill xmlns="" xmlns:a14="http://schemas.microsoft.com/office/drawing/2010/main">
+              <a14:hiddenFill xmlns:a14="http://schemas.microsoft.com/office/drawing/2010/main" xmlns="">
                 <a:blipFill dpi="0" rotWithShape="0">
                   <a:blip/>
                   <a:srcRect/>
@@ -11269,7 +11274,7 @@
               </a14:hiddenFill>
             </a:ext>
             <a:ext uri="{91240B29-F687-4f45-9708-019B960494DF}">
-              <a14:hiddenLine xmlns="" xmlns:a14="http://schemas.microsoft.com/office/drawing/2010/main" w="9525" cap="flat">
+              <a14:hiddenLine xmlns:a14="http://schemas.microsoft.com/office/drawing/2010/main" xmlns="" w="9525" cap="flat">
                 <a:solidFill>
                   <a:srgbClr val="3465A4"/>
                 </a:solidFill>
@@ -11279,7 +11284,7 @@
               </a14:hiddenLine>
             </a:ext>
             <a:ext uri="{AF507438-7753-43e0-B8FC-AC1667EBCBE1}">
-              <a14:hiddenEffects xmlns="" xmlns:a14="http://schemas.microsoft.com/office/drawing/2010/main">
+              <a14:hiddenEffects xmlns:a14="http://schemas.microsoft.com/office/drawing/2010/main" xmlns="">
                 <a:effectLst>
                   <a:outerShdw blurRad="63500" dist="38099" dir="2700000" algn="ctr" rotWithShape="0">
                     <a:srgbClr val="000000">
@@ -11315,14 +11320,14 @@
           <a:effectLst/>
           <a:extLst>
             <a:ext uri="{909E8E84-426E-40dd-AFC4-6F175D3DCCD1}">
-              <a14:hiddenFill xmlns="" xmlns:a14="http://schemas.microsoft.com/office/drawing/2010/main">
+              <a14:hiddenFill xmlns:a14="http://schemas.microsoft.com/office/drawing/2010/main" xmlns="">
                 <a:solidFill>
                   <a:srgbClr val="FFFFFF"/>
                 </a:solidFill>
               </a14:hiddenFill>
             </a:ext>
             <a:ext uri="{91240B29-F687-4f45-9708-019B960494DF}">
-              <a14:hiddenLine xmlns="" xmlns:a14="http://schemas.microsoft.com/office/drawing/2010/main" w="9525" cap="flat">
+              <a14:hiddenLine xmlns:a14="http://schemas.microsoft.com/office/drawing/2010/main" xmlns="" w="9525" cap="flat">
                 <a:solidFill>
                   <a:srgbClr val="000000"/>
                 </a:solidFill>
@@ -11332,7 +11337,7 @@
               </a14:hiddenLine>
             </a:ext>
             <a:ext uri="{AF507438-7753-43e0-B8FC-AC1667EBCBE1}">
-              <a14:hiddenEffects xmlns="" xmlns:a14="http://schemas.microsoft.com/office/drawing/2010/main">
+              <a14:hiddenEffects xmlns:a14="http://schemas.microsoft.com/office/drawing/2010/main" xmlns="">
                 <a:effectLst>
                   <a:outerShdw blurRad="63500" dist="38099" dir="2700000" algn="ctr" rotWithShape="0">
                     <a:srgbClr val="000000">
@@ -11654,14 +11659,14 @@
           <a:effectLst/>
           <a:extLst>
             <a:ext uri="{909E8E84-426E-40dd-AFC4-6F175D3DCCD1}">
-              <a14:hiddenFill xmlns="" xmlns:a14="http://schemas.microsoft.com/office/drawing/2010/main">
+              <a14:hiddenFill xmlns:a14="http://schemas.microsoft.com/office/drawing/2010/main" xmlns="">
                 <a:solidFill>
                   <a:srgbClr val="FFFFFF"/>
                 </a:solidFill>
               </a14:hiddenFill>
             </a:ext>
             <a:ext uri="{91240B29-F687-4f45-9708-019B960494DF}">
-              <a14:hiddenLine xmlns="" xmlns:a14="http://schemas.microsoft.com/office/drawing/2010/main" w="9525" cap="flat">
+              <a14:hiddenLine xmlns:a14="http://schemas.microsoft.com/office/drawing/2010/main" xmlns="" w="9525" cap="flat">
                 <a:solidFill>
                   <a:srgbClr val="000000"/>
                 </a:solidFill>
@@ -11671,7 +11676,7 @@
               </a14:hiddenLine>
             </a:ext>
             <a:ext uri="{AF507438-7753-43e0-B8FC-AC1667EBCBE1}">
-              <a14:hiddenEffects xmlns="" xmlns:a14="http://schemas.microsoft.com/office/drawing/2010/main">
+              <a14:hiddenEffects xmlns:a14="http://schemas.microsoft.com/office/drawing/2010/main" xmlns="">
                 <a:effectLst>
                   <a:outerShdw blurRad="63500" dist="38099" dir="2700000" algn="ctr" rotWithShape="0">
                     <a:srgbClr val="000000">
@@ -12113,7 +12118,7 @@
           <a:effectLst/>
           <a:extLst>
             <a:ext uri="{909E8E84-426E-40dd-AFC4-6F175D3DCCD1}">
-              <a14:hiddenFill xmlns:a14="http://schemas.microsoft.com/office/drawing/2010/main" xmlns="">
+              <a14:hiddenFill xmlns="" xmlns:a14="http://schemas.microsoft.com/office/drawing/2010/main">
                 <a:blipFill dpi="0" rotWithShape="0">
                   <a:blip/>
                   <a:srcRect/>
@@ -12124,7 +12129,7 @@
               </a14:hiddenFill>
             </a:ext>
             <a:ext uri="{91240B29-F687-4f45-9708-019B960494DF}">
-              <a14:hiddenLine xmlns:a14="http://schemas.microsoft.com/office/drawing/2010/main" xmlns="" w="9525" cap="flat">
+              <a14:hiddenLine xmlns="" xmlns:a14="http://schemas.microsoft.com/office/drawing/2010/main" w="9525" cap="flat">
                 <a:solidFill>
                   <a:srgbClr val="3465A4"/>
                 </a:solidFill>
@@ -12134,7 +12139,7 @@
               </a14:hiddenLine>
             </a:ext>
             <a:ext uri="{AF507438-7753-43e0-B8FC-AC1667EBCBE1}">
-              <a14:hiddenEffects xmlns:a14="http://schemas.microsoft.com/office/drawing/2010/main" xmlns="">
+              <a14:hiddenEffects xmlns="" xmlns:a14="http://schemas.microsoft.com/office/drawing/2010/main">
                 <a:effectLst>
                   <a:outerShdw blurRad="63500" dist="38099" dir="2700000" algn="ctr" rotWithShape="0">
                     <a:srgbClr val="000000">
@@ -12465,7 +12470,7 @@
           <a:effectLst/>
           <a:extLst>
             <a:ext uri="{909E8E84-426E-40dd-AFC4-6F175D3DCCD1}">
-              <a14:hiddenFill xmlns:a14="http://schemas.microsoft.com/office/drawing/2010/main" xmlns="">
+              <a14:hiddenFill xmlns="" xmlns:a14="http://schemas.microsoft.com/office/drawing/2010/main">
                 <a:blipFill dpi="0" rotWithShape="0">
                   <a:blip/>
                   <a:srcRect/>
@@ -12476,7 +12481,7 @@
               </a14:hiddenFill>
             </a:ext>
             <a:ext uri="{91240B29-F687-4f45-9708-019B960494DF}">
-              <a14:hiddenLine xmlns:a14="http://schemas.microsoft.com/office/drawing/2010/main" xmlns="" w="9525" cap="flat">
+              <a14:hiddenLine xmlns="" xmlns:a14="http://schemas.microsoft.com/office/drawing/2010/main" w="9525" cap="flat">
                 <a:solidFill>
                   <a:srgbClr val="3465A4"/>
                 </a:solidFill>
@@ -12486,7 +12491,7 @@
               </a14:hiddenLine>
             </a:ext>
             <a:ext uri="{AF507438-7753-43e0-B8FC-AC1667EBCBE1}">
-              <a14:hiddenEffects xmlns:a14="http://schemas.microsoft.com/office/drawing/2010/main" xmlns="">
+              <a14:hiddenEffects xmlns="" xmlns:a14="http://schemas.microsoft.com/office/drawing/2010/main">
                 <a:effectLst>
                   <a:outerShdw blurRad="63500" dist="38099" dir="2700000" algn="ctr" rotWithShape="0">
                     <a:srgbClr val="000000">
@@ -12528,14 +12533,14 @@
           <a:effectLst/>
           <a:extLst>
             <a:ext uri="{909E8E84-426E-40dd-AFC4-6F175D3DCCD1}">
-              <a14:hiddenFill xmlns:a14="http://schemas.microsoft.com/office/drawing/2010/main" xmlns="">
+              <a14:hiddenFill xmlns="" xmlns:a14="http://schemas.microsoft.com/office/drawing/2010/main">
                 <a:solidFill>
                   <a:srgbClr val="FFFFFF"/>
                 </a:solidFill>
               </a14:hiddenFill>
             </a:ext>
             <a:ext uri="{91240B29-F687-4f45-9708-019B960494DF}">
-              <a14:hiddenLine xmlns:a14="http://schemas.microsoft.com/office/drawing/2010/main" xmlns="" w="9525" cap="flat">
+              <a14:hiddenLine xmlns="" xmlns:a14="http://schemas.microsoft.com/office/drawing/2010/main" w="9525" cap="flat">
                 <a:solidFill>
                   <a:srgbClr val="3465A4"/>
                 </a:solidFill>
@@ -12545,7 +12550,7 @@
               </a14:hiddenLine>
             </a:ext>
             <a:ext uri="{AF507438-7753-43e0-B8FC-AC1667EBCBE1}">
-              <a14:hiddenEffects xmlns:a14="http://schemas.microsoft.com/office/drawing/2010/main" xmlns="">
+              <a14:hiddenEffects xmlns="" xmlns:a14="http://schemas.microsoft.com/office/drawing/2010/main">
                 <a:effectLst>
                   <a:outerShdw blurRad="63500" dist="38099" dir="2700000" algn="ctr" rotWithShape="0">
                     <a:srgbClr val="000000">
